--- a/BDM/proposal.pptx
+++ b/BDM/proposal.pptx
@@ -203,7 +203,7 @@
           <a:p>
             <a:fld id="{407347E7-AB2C-4DCC-BC63-0B11171EA9A3}" type="datetimeFigureOut">
               <a:rPr lang="zh-TW" altLang="en-US" smtClean="0"/>
-              <a:t>2023/11/1</a:t>
+              <a:t>2024/10/29</a:t>
             </a:fld>
             <a:endParaRPr lang="zh-TW" altLang="en-US"/>
           </a:p>
@@ -267,38 +267,37 @@
           <a:p>
             <a:pPr lvl="0"/>
             <a:r>
-              <a:rPr lang="zh-TW" altLang="en-US" smtClean="0"/>
+              <a:rPr lang="zh-TW" altLang="en-US"/>
               <a:t>按一下以編輯母片文字樣式</a:t>
             </a:r>
           </a:p>
           <a:p>
             <a:pPr lvl="1"/>
             <a:r>
-              <a:rPr lang="zh-TW" altLang="en-US" smtClean="0"/>
+              <a:rPr lang="zh-TW" altLang="en-US"/>
               <a:t>第二層</a:t>
             </a:r>
           </a:p>
           <a:p>
             <a:pPr lvl="2"/>
             <a:r>
-              <a:rPr lang="zh-TW" altLang="en-US" smtClean="0"/>
+              <a:rPr lang="zh-TW" altLang="en-US"/>
               <a:t>第三層</a:t>
             </a:r>
           </a:p>
           <a:p>
             <a:pPr lvl="3"/>
             <a:r>
-              <a:rPr lang="zh-TW" altLang="en-US" smtClean="0"/>
+              <a:rPr lang="zh-TW" altLang="en-US"/>
               <a:t>第四層</a:t>
             </a:r>
           </a:p>
           <a:p>
             <a:pPr lvl="4"/>
             <a:r>
-              <a:rPr lang="zh-TW" altLang="en-US" smtClean="0"/>
+              <a:rPr lang="zh-TW" altLang="en-US"/>
               <a:t>第五層</a:t>
             </a:r>
-            <a:endParaRPr lang="zh-TW" altLang="en-US"/>
           </a:p>
         </p:txBody>
       </p:sp>
@@ -640,7 +639,7 @@
               </a:pPr>
               <a:t>5</a:t>
             </a:fld>
-            <a:endParaRPr lang="en-US" altLang="zh-TW" smtClean="0"/>
+            <a:endParaRPr lang="en-US" altLang="zh-TW"/>
           </a:p>
         </p:txBody>
       </p:sp>
@@ -676,7 +675,7 @@
           <a:lstStyle/>
           <a:p>
             <a:pPr eaLnBrk="1" hangingPunct="1"/>
-            <a:endParaRPr lang="zh-TW" altLang="zh-TW" smtClean="0">
+            <a:endParaRPr lang="zh-TW" altLang="zh-TW">
               <a:latin typeface="Arial" panose="020B0604020202020204" pitchFamily="34" charset="0"/>
             </a:endParaRPr>
           </a:p>
@@ -737,10 +736,9 @@
           </a:lstStyle>
           <a:p>
             <a:r>
-              <a:rPr lang="zh-TW" altLang="en-US" smtClean="0"/>
+              <a:rPr lang="zh-TW" altLang="en-US"/>
               <a:t>按一下以編輯母片標題樣式</a:t>
             </a:r>
-            <a:endParaRPr lang="zh-TW" altLang="en-US"/>
           </a:p>
         </p:txBody>
       </p:sp>
@@ -802,10 +800,9 @@
           </a:lstStyle>
           <a:p>
             <a:r>
-              <a:rPr lang="zh-TW" altLang="en-US" smtClean="0"/>
+              <a:rPr lang="zh-TW" altLang="en-US"/>
               <a:t>按一下以編輯母片副標題樣式</a:t>
             </a:r>
-            <a:endParaRPr lang="zh-TW" altLang="en-US"/>
           </a:p>
         </p:txBody>
       </p:sp>
@@ -826,7 +823,7 @@
           <a:p>
             <a:fld id="{B91588C3-88A7-43BC-95A3-6AC4878CF94C}" type="datetimeFigureOut">
               <a:rPr lang="zh-TW" altLang="en-US" smtClean="0"/>
-              <a:t>2023/11/1</a:t>
+              <a:t>2024/10/29</a:t>
             </a:fld>
             <a:endParaRPr lang="zh-TW" altLang="en-US"/>
           </a:p>
@@ -920,10 +917,9 @@
           <a:lstStyle/>
           <a:p>
             <a:r>
-              <a:rPr lang="zh-TW" altLang="en-US" smtClean="0"/>
+              <a:rPr lang="zh-TW" altLang="en-US"/>
               <a:t>按一下以編輯母片標題樣式</a:t>
             </a:r>
-            <a:endParaRPr lang="zh-TW" altLang="en-US"/>
           </a:p>
         </p:txBody>
       </p:sp>
@@ -944,38 +940,37 @@
           <a:p>
             <a:pPr lvl="0"/>
             <a:r>
-              <a:rPr lang="zh-TW" altLang="en-US" smtClean="0"/>
+              <a:rPr lang="zh-TW" altLang="en-US"/>
               <a:t>按一下以編輯母片文字樣式</a:t>
             </a:r>
           </a:p>
           <a:p>
             <a:pPr lvl="1"/>
             <a:r>
-              <a:rPr lang="zh-TW" altLang="en-US" smtClean="0"/>
+              <a:rPr lang="zh-TW" altLang="en-US"/>
               <a:t>第二層</a:t>
             </a:r>
           </a:p>
           <a:p>
             <a:pPr lvl="2"/>
             <a:r>
-              <a:rPr lang="zh-TW" altLang="en-US" smtClean="0"/>
+              <a:rPr lang="zh-TW" altLang="en-US"/>
               <a:t>第三層</a:t>
             </a:r>
           </a:p>
           <a:p>
             <a:pPr lvl="3"/>
             <a:r>
-              <a:rPr lang="zh-TW" altLang="en-US" smtClean="0"/>
+              <a:rPr lang="zh-TW" altLang="en-US"/>
               <a:t>第四層</a:t>
             </a:r>
           </a:p>
           <a:p>
             <a:pPr lvl="4"/>
             <a:r>
-              <a:rPr lang="zh-TW" altLang="en-US" smtClean="0"/>
+              <a:rPr lang="zh-TW" altLang="en-US"/>
               <a:t>第五層</a:t>
             </a:r>
-            <a:endParaRPr lang="zh-TW" altLang="en-US"/>
           </a:p>
         </p:txBody>
       </p:sp>
@@ -996,7 +991,7 @@
           <a:p>
             <a:fld id="{B91588C3-88A7-43BC-95A3-6AC4878CF94C}" type="datetimeFigureOut">
               <a:rPr lang="zh-TW" altLang="en-US" smtClean="0"/>
-              <a:t>2023/11/1</a:t>
+              <a:t>2024/10/29</a:t>
             </a:fld>
             <a:endParaRPr lang="zh-TW" altLang="en-US"/>
           </a:p>
@@ -1095,10 +1090,9 @@
           <a:lstStyle/>
           <a:p>
             <a:r>
-              <a:rPr lang="zh-TW" altLang="en-US" smtClean="0"/>
+              <a:rPr lang="zh-TW" altLang="en-US"/>
               <a:t>按一下以編輯母片標題樣式</a:t>
             </a:r>
-            <a:endParaRPr lang="zh-TW" altLang="en-US"/>
           </a:p>
         </p:txBody>
       </p:sp>
@@ -1124,38 +1118,37 @@
           <a:p>
             <a:pPr lvl="0"/>
             <a:r>
-              <a:rPr lang="zh-TW" altLang="en-US" smtClean="0"/>
+              <a:rPr lang="zh-TW" altLang="en-US"/>
               <a:t>按一下以編輯母片文字樣式</a:t>
             </a:r>
           </a:p>
           <a:p>
             <a:pPr lvl="1"/>
             <a:r>
-              <a:rPr lang="zh-TW" altLang="en-US" smtClean="0"/>
+              <a:rPr lang="zh-TW" altLang="en-US"/>
               <a:t>第二層</a:t>
             </a:r>
           </a:p>
           <a:p>
             <a:pPr lvl="2"/>
             <a:r>
-              <a:rPr lang="zh-TW" altLang="en-US" smtClean="0"/>
+              <a:rPr lang="zh-TW" altLang="en-US"/>
               <a:t>第三層</a:t>
             </a:r>
           </a:p>
           <a:p>
             <a:pPr lvl="3"/>
             <a:r>
-              <a:rPr lang="zh-TW" altLang="en-US" smtClean="0"/>
+              <a:rPr lang="zh-TW" altLang="en-US"/>
               <a:t>第四層</a:t>
             </a:r>
           </a:p>
           <a:p>
             <a:pPr lvl="4"/>
             <a:r>
-              <a:rPr lang="zh-TW" altLang="en-US" smtClean="0"/>
+              <a:rPr lang="zh-TW" altLang="en-US"/>
               <a:t>第五層</a:t>
             </a:r>
-            <a:endParaRPr lang="zh-TW" altLang="en-US"/>
           </a:p>
         </p:txBody>
       </p:sp>
@@ -1176,7 +1169,7 @@
           <a:p>
             <a:fld id="{B91588C3-88A7-43BC-95A3-6AC4878CF94C}" type="datetimeFigureOut">
               <a:rPr lang="zh-TW" altLang="en-US" smtClean="0"/>
-              <a:t>2023/11/1</a:t>
+              <a:t>2024/10/29</a:t>
             </a:fld>
             <a:endParaRPr lang="zh-TW" altLang="en-US"/>
           </a:p>
@@ -1270,10 +1263,9 @@
           <a:lstStyle/>
           <a:p>
             <a:r>
-              <a:rPr lang="zh-TW" altLang="en-US" smtClean="0"/>
+              <a:rPr lang="zh-TW" altLang="en-US"/>
               <a:t>按一下以編輯母片標題樣式</a:t>
             </a:r>
-            <a:endParaRPr lang="zh-TW" altLang="en-US"/>
           </a:p>
         </p:txBody>
       </p:sp>
@@ -1294,38 +1286,37 @@
           <a:p>
             <a:pPr lvl="0"/>
             <a:r>
-              <a:rPr lang="zh-TW" altLang="en-US" smtClean="0"/>
+              <a:rPr lang="zh-TW" altLang="en-US"/>
               <a:t>按一下以編輯母片文字樣式</a:t>
             </a:r>
           </a:p>
           <a:p>
             <a:pPr lvl="1"/>
             <a:r>
-              <a:rPr lang="zh-TW" altLang="en-US" smtClean="0"/>
+              <a:rPr lang="zh-TW" altLang="en-US"/>
               <a:t>第二層</a:t>
             </a:r>
           </a:p>
           <a:p>
             <a:pPr lvl="2"/>
             <a:r>
-              <a:rPr lang="zh-TW" altLang="en-US" smtClean="0"/>
+              <a:rPr lang="zh-TW" altLang="en-US"/>
               <a:t>第三層</a:t>
             </a:r>
           </a:p>
           <a:p>
             <a:pPr lvl="3"/>
             <a:r>
-              <a:rPr lang="zh-TW" altLang="en-US" smtClean="0"/>
+              <a:rPr lang="zh-TW" altLang="en-US"/>
               <a:t>第四層</a:t>
             </a:r>
           </a:p>
           <a:p>
             <a:pPr lvl="4"/>
             <a:r>
-              <a:rPr lang="zh-TW" altLang="en-US" smtClean="0"/>
+              <a:rPr lang="zh-TW" altLang="en-US"/>
               <a:t>第五層</a:t>
             </a:r>
-            <a:endParaRPr lang="zh-TW" altLang="en-US"/>
           </a:p>
         </p:txBody>
       </p:sp>
@@ -1346,7 +1337,7 @@
           <a:p>
             <a:fld id="{B91588C3-88A7-43BC-95A3-6AC4878CF94C}" type="datetimeFigureOut">
               <a:rPr lang="zh-TW" altLang="en-US" smtClean="0"/>
-              <a:t>2023/11/1</a:t>
+              <a:t>2024/10/29</a:t>
             </a:fld>
             <a:endParaRPr lang="zh-TW" altLang="en-US"/>
           </a:p>
@@ -1449,10 +1440,9 @@
           </a:lstStyle>
           <a:p>
             <a:r>
-              <a:rPr lang="zh-TW" altLang="en-US" smtClean="0"/>
+              <a:rPr lang="zh-TW" altLang="en-US"/>
               <a:t>按一下以編輯母片標題樣式</a:t>
             </a:r>
-            <a:endParaRPr lang="zh-TW" altLang="en-US"/>
           </a:p>
         </p:txBody>
       </p:sp>
@@ -1569,7 +1559,7 @@
           <a:p>
             <a:pPr lvl="0"/>
             <a:r>
-              <a:rPr lang="zh-TW" altLang="en-US" smtClean="0"/>
+              <a:rPr lang="zh-TW" altLang="en-US"/>
               <a:t>按一下以編輯母片文字樣式</a:t>
             </a:r>
           </a:p>
@@ -1592,7 +1582,7 @@
           <a:p>
             <a:fld id="{B91588C3-88A7-43BC-95A3-6AC4878CF94C}" type="datetimeFigureOut">
               <a:rPr lang="zh-TW" altLang="en-US" smtClean="0"/>
-              <a:t>2023/11/1</a:t>
+              <a:t>2024/10/29</a:t>
             </a:fld>
             <a:endParaRPr lang="zh-TW" altLang="en-US"/>
           </a:p>
@@ -1686,10 +1676,9 @@
           <a:lstStyle/>
           <a:p>
             <a:r>
-              <a:rPr lang="zh-TW" altLang="en-US" smtClean="0"/>
+              <a:rPr lang="zh-TW" altLang="en-US"/>
               <a:t>按一下以編輯母片標題樣式</a:t>
             </a:r>
-            <a:endParaRPr lang="zh-TW" altLang="en-US"/>
           </a:p>
         </p:txBody>
       </p:sp>
@@ -1715,38 +1704,37 @@
           <a:p>
             <a:pPr lvl="0"/>
             <a:r>
-              <a:rPr lang="zh-TW" altLang="en-US" smtClean="0"/>
+              <a:rPr lang="zh-TW" altLang="en-US"/>
               <a:t>按一下以編輯母片文字樣式</a:t>
             </a:r>
           </a:p>
           <a:p>
             <a:pPr lvl="1"/>
             <a:r>
-              <a:rPr lang="zh-TW" altLang="en-US" smtClean="0"/>
+              <a:rPr lang="zh-TW" altLang="en-US"/>
               <a:t>第二層</a:t>
             </a:r>
           </a:p>
           <a:p>
             <a:pPr lvl="2"/>
             <a:r>
-              <a:rPr lang="zh-TW" altLang="en-US" smtClean="0"/>
+              <a:rPr lang="zh-TW" altLang="en-US"/>
               <a:t>第三層</a:t>
             </a:r>
           </a:p>
           <a:p>
             <a:pPr lvl="3"/>
             <a:r>
-              <a:rPr lang="zh-TW" altLang="en-US" smtClean="0"/>
+              <a:rPr lang="zh-TW" altLang="en-US"/>
               <a:t>第四層</a:t>
             </a:r>
           </a:p>
           <a:p>
             <a:pPr lvl="4"/>
             <a:r>
-              <a:rPr lang="zh-TW" altLang="en-US" smtClean="0"/>
+              <a:rPr lang="zh-TW" altLang="en-US"/>
               <a:t>第五層</a:t>
             </a:r>
-            <a:endParaRPr lang="zh-TW" altLang="en-US"/>
           </a:p>
         </p:txBody>
       </p:sp>
@@ -1772,38 +1760,37 @@
           <a:p>
             <a:pPr lvl="0"/>
             <a:r>
-              <a:rPr lang="zh-TW" altLang="en-US" smtClean="0"/>
+              <a:rPr lang="zh-TW" altLang="en-US"/>
               <a:t>按一下以編輯母片文字樣式</a:t>
             </a:r>
           </a:p>
           <a:p>
             <a:pPr lvl="1"/>
             <a:r>
-              <a:rPr lang="zh-TW" altLang="en-US" smtClean="0"/>
+              <a:rPr lang="zh-TW" altLang="en-US"/>
               <a:t>第二層</a:t>
             </a:r>
           </a:p>
           <a:p>
             <a:pPr lvl="2"/>
             <a:r>
-              <a:rPr lang="zh-TW" altLang="en-US" smtClean="0"/>
+              <a:rPr lang="zh-TW" altLang="en-US"/>
               <a:t>第三層</a:t>
             </a:r>
           </a:p>
           <a:p>
             <a:pPr lvl="3"/>
             <a:r>
-              <a:rPr lang="zh-TW" altLang="en-US" smtClean="0"/>
+              <a:rPr lang="zh-TW" altLang="en-US"/>
               <a:t>第四層</a:t>
             </a:r>
           </a:p>
           <a:p>
             <a:pPr lvl="4"/>
             <a:r>
-              <a:rPr lang="zh-TW" altLang="en-US" smtClean="0"/>
+              <a:rPr lang="zh-TW" altLang="en-US"/>
               <a:t>第五層</a:t>
             </a:r>
-            <a:endParaRPr lang="zh-TW" altLang="en-US"/>
           </a:p>
         </p:txBody>
       </p:sp>
@@ -1824,7 +1811,7 @@
           <a:p>
             <a:fld id="{B91588C3-88A7-43BC-95A3-6AC4878CF94C}" type="datetimeFigureOut">
               <a:rPr lang="zh-TW" altLang="en-US" smtClean="0"/>
-              <a:t>2023/11/1</a:t>
+              <a:t>2024/10/29</a:t>
             </a:fld>
             <a:endParaRPr lang="zh-TW" altLang="en-US"/>
           </a:p>
@@ -1923,10 +1910,9 @@
           <a:lstStyle/>
           <a:p>
             <a:r>
-              <a:rPr lang="zh-TW" altLang="en-US" smtClean="0"/>
+              <a:rPr lang="zh-TW" altLang="en-US"/>
               <a:t>按一下以編輯母片標題樣式</a:t>
             </a:r>
-            <a:endParaRPr lang="zh-TW" altLang="en-US"/>
           </a:p>
         </p:txBody>
       </p:sp>
@@ -1989,7 +1975,7 @@
           <a:p>
             <a:pPr lvl="0"/>
             <a:r>
-              <a:rPr lang="zh-TW" altLang="en-US" smtClean="0"/>
+              <a:rPr lang="zh-TW" altLang="en-US"/>
               <a:t>按一下以編輯母片文字樣式</a:t>
             </a:r>
           </a:p>
@@ -2017,38 +2003,37 @@
           <a:p>
             <a:pPr lvl="0"/>
             <a:r>
-              <a:rPr lang="zh-TW" altLang="en-US" smtClean="0"/>
+              <a:rPr lang="zh-TW" altLang="en-US"/>
               <a:t>按一下以編輯母片文字樣式</a:t>
             </a:r>
           </a:p>
           <a:p>
             <a:pPr lvl="1"/>
             <a:r>
-              <a:rPr lang="zh-TW" altLang="en-US" smtClean="0"/>
+              <a:rPr lang="zh-TW" altLang="en-US"/>
               <a:t>第二層</a:t>
             </a:r>
           </a:p>
           <a:p>
             <a:pPr lvl="2"/>
             <a:r>
-              <a:rPr lang="zh-TW" altLang="en-US" smtClean="0"/>
+              <a:rPr lang="zh-TW" altLang="en-US"/>
               <a:t>第三層</a:t>
             </a:r>
           </a:p>
           <a:p>
             <a:pPr lvl="3"/>
             <a:r>
-              <a:rPr lang="zh-TW" altLang="en-US" smtClean="0"/>
+              <a:rPr lang="zh-TW" altLang="en-US"/>
               <a:t>第四層</a:t>
             </a:r>
           </a:p>
           <a:p>
             <a:pPr lvl="4"/>
             <a:r>
-              <a:rPr lang="zh-TW" altLang="en-US" smtClean="0"/>
+              <a:rPr lang="zh-TW" altLang="en-US"/>
               <a:t>第五層</a:t>
             </a:r>
-            <a:endParaRPr lang="zh-TW" altLang="en-US"/>
           </a:p>
         </p:txBody>
       </p:sp>
@@ -2111,7 +2096,7 @@
           <a:p>
             <a:pPr lvl="0"/>
             <a:r>
-              <a:rPr lang="zh-TW" altLang="en-US" smtClean="0"/>
+              <a:rPr lang="zh-TW" altLang="en-US"/>
               <a:t>按一下以編輯母片文字樣式</a:t>
             </a:r>
           </a:p>
@@ -2139,38 +2124,37 @@
           <a:p>
             <a:pPr lvl="0"/>
             <a:r>
-              <a:rPr lang="zh-TW" altLang="en-US" smtClean="0"/>
+              <a:rPr lang="zh-TW" altLang="en-US"/>
               <a:t>按一下以編輯母片文字樣式</a:t>
             </a:r>
           </a:p>
           <a:p>
             <a:pPr lvl="1"/>
             <a:r>
-              <a:rPr lang="zh-TW" altLang="en-US" smtClean="0"/>
+              <a:rPr lang="zh-TW" altLang="en-US"/>
               <a:t>第二層</a:t>
             </a:r>
           </a:p>
           <a:p>
             <a:pPr lvl="2"/>
             <a:r>
-              <a:rPr lang="zh-TW" altLang="en-US" smtClean="0"/>
+              <a:rPr lang="zh-TW" altLang="en-US"/>
               <a:t>第三層</a:t>
             </a:r>
           </a:p>
           <a:p>
             <a:pPr lvl="3"/>
             <a:r>
-              <a:rPr lang="zh-TW" altLang="en-US" smtClean="0"/>
+              <a:rPr lang="zh-TW" altLang="en-US"/>
               <a:t>第四層</a:t>
             </a:r>
           </a:p>
           <a:p>
             <a:pPr lvl="4"/>
             <a:r>
-              <a:rPr lang="zh-TW" altLang="en-US" smtClean="0"/>
+              <a:rPr lang="zh-TW" altLang="en-US"/>
               <a:t>第五層</a:t>
             </a:r>
-            <a:endParaRPr lang="zh-TW" altLang="en-US"/>
           </a:p>
         </p:txBody>
       </p:sp>
@@ -2191,7 +2175,7 @@
           <a:p>
             <a:fld id="{B91588C3-88A7-43BC-95A3-6AC4878CF94C}" type="datetimeFigureOut">
               <a:rPr lang="zh-TW" altLang="en-US" smtClean="0"/>
-              <a:t>2023/11/1</a:t>
+              <a:t>2024/10/29</a:t>
             </a:fld>
             <a:endParaRPr lang="zh-TW" altLang="en-US"/>
           </a:p>
@@ -2285,10 +2269,9 @@
           <a:lstStyle/>
           <a:p>
             <a:r>
-              <a:rPr lang="zh-TW" altLang="en-US" smtClean="0"/>
+              <a:rPr lang="zh-TW" altLang="en-US"/>
               <a:t>按一下以編輯母片標題樣式</a:t>
             </a:r>
-            <a:endParaRPr lang="zh-TW" altLang="en-US"/>
           </a:p>
         </p:txBody>
       </p:sp>
@@ -2309,7 +2292,7 @@
           <a:p>
             <a:fld id="{B91588C3-88A7-43BC-95A3-6AC4878CF94C}" type="datetimeFigureOut">
               <a:rPr lang="zh-TW" altLang="en-US" smtClean="0"/>
-              <a:t>2023/11/1</a:t>
+              <a:t>2024/10/29</a:t>
             </a:fld>
             <a:endParaRPr lang="zh-TW" altLang="en-US"/>
           </a:p>
@@ -2404,7 +2387,7 @@
           <a:p>
             <a:fld id="{B91588C3-88A7-43BC-95A3-6AC4878CF94C}" type="datetimeFigureOut">
               <a:rPr lang="zh-TW" altLang="en-US" smtClean="0"/>
-              <a:t>2023/11/1</a:t>
+              <a:t>2024/10/29</a:t>
             </a:fld>
             <a:endParaRPr lang="zh-TW" altLang="en-US"/>
           </a:p>
@@ -2507,10 +2490,9 @@
           </a:lstStyle>
           <a:p>
             <a:r>
-              <a:rPr lang="zh-TW" altLang="en-US" smtClean="0"/>
+              <a:rPr lang="zh-TW" altLang="en-US"/>
               <a:t>按一下以編輯母片標題樣式</a:t>
             </a:r>
-            <a:endParaRPr lang="zh-TW" altLang="en-US"/>
           </a:p>
         </p:txBody>
       </p:sp>
@@ -2564,38 +2546,37 @@
           <a:p>
             <a:pPr lvl="0"/>
             <a:r>
-              <a:rPr lang="zh-TW" altLang="en-US" smtClean="0"/>
+              <a:rPr lang="zh-TW" altLang="en-US"/>
               <a:t>按一下以編輯母片文字樣式</a:t>
             </a:r>
           </a:p>
           <a:p>
             <a:pPr lvl="1"/>
             <a:r>
-              <a:rPr lang="zh-TW" altLang="en-US" smtClean="0"/>
+              <a:rPr lang="zh-TW" altLang="en-US"/>
               <a:t>第二層</a:t>
             </a:r>
           </a:p>
           <a:p>
             <a:pPr lvl="2"/>
             <a:r>
-              <a:rPr lang="zh-TW" altLang="en-US" smtClean="0"/>
+              <a:rPr lang="zh-TW" altLang="en-US"/>
               <a:t>第三層</a:t>
             </a:r>
           </a:p>
           <a:p>
             <a:pPr lvl="3"/>
             <a:r>
-              <a:rPr lang="zh-TW" altLang="en-US" smtClean="0"/>
+              <a:rPr lang="zh-TW" altLang="en-US"/>
               <a:t>第四層</a:t>
             </a:r>
           </a:p>
           <a:p>
             <a:pPr lvl="4"/>
             <a:r>
-              <a:rPr lang="zh-TW" altLang="en-US" smtClean="0"/>
+              <a:rPr lang="zh-TW" altLang="en-US"/>
               <a:t>第五層</a:t>
             </a:r>
-            <a:endParaRPr lang="zh-TW" altLang="en-US"/>
           </a:p>
         </p:txBody>
       </p:sp>
@@ -2658,7 +2639,7 @@
           <a:p>
             <a:pPr lvl="0"/>
             <a:r>
-              <a:rPr lang="zh-TW" altLang="en-US" smtClean="0"/>
+              <a:rPr lang="zh-TW" altLang="en-US"/>
               <a:t>按一下以編輯母片文字樣式</a:t>
             </a:r>
           </a:p>
@@ -2681,7 +2662,7 @@
           <a:p>
             <a:fld id="{B91588C3-88A7-43BC-95A3-6AC4878CF94C}" type="datetimeFigureOut">
               <a:rPr lang="zh-TW" altLang="en-US" smtClean="0"/>
-              <a:t>2023/11/1</a:t>
+              <a:t>2024/10/29</a:t>
             </a:fld>
             <a:endParaRPr lang="zh-TW" altLang="en-US"/>
           </a:p>
@@ -2784,10 +2765,9 @@
           </a:lstStyle>
           <a:p>
             <a:r>
-              <a:rPr lang="zh-TW" altLang="en-US" smtClean="0"/>
+              <a:rPr lang="zh-TW" altLang="en-US"/>
               <a:t>按一下以編輯母片標題樣式</a:t>
             </a:r>
-            <a:endParaRPr lang="zh-TW" altLang="en-US"/>
           </a:p>
         </p:txBody>
       </p:sp>
@@ -2911,7 +2891,7 @@
           <a:p>
             <a:pPr lvl="0"/>
             <a:r>
-              <a:rPr lang="zh-TW" altLang="en-US" smtClean="0"/>
+              <a:rPr lang="zh-TW" altLang="en-US"/>
               <a:t>按一下以編輯母片文字樣式</a:t>
             </a:r>
           </a:p>
@@ -2934,7 +2914,7 @@
           <a:p>
             <a:fld id="{B91588C3-88A7-43BC-95A3-6AC4878CF94C}" type="datetimeFigureOut">
               <a:rPr lang="zh-TW" altLang="en-US" smtClean="0"/>
-              <a:t>2023/11/1</a:t>
+              <a:t>2024/10/29</a:t>
             </a:fld>
             <a:endParaRPr lang="zh-TW" altLang="en-US"/>
           </a:p>
@@ -3043,10 +3023,9 @@
           <a:lstStyle/>
           <a:p>
             <a:r>
-              <a:rPr lang="zh-TW" altLang="en-US" smtClean="0"/>
+              <a:rPr lang="zh-TW" altLang="en-US"/>
               <a:t>按一下以編輯母片標題樣式</a:t>
             </a:r>
-            <a:endParaRPr lang="zh-TW" altLang="en-US"/>
           </a:p>
         </p:txBody>
       </p:sp>
@@ -3077,38 +3056,37 @@
           <a:p>
             <a:pPr lvl="0"/>
             <a:r>
-              <a:rPr lang="zh-TW" altLang="en-US" smtClean="0"/>
+              <a:rPr lang="zh-TW" altLang="en-US"/>
               <a:t>按一下以編輯母片文字樣式</a:t>
             </a:r>
           </a:p>
           <a:p>
             <a:pPr lvl="1"/>
             <a:r>
-              <a:rPr lang="zh-TW" altLang="en-US" smtClean="0"/>
+              <a:rPr lang="zh-TW" altLang="en-US"/>
               <a:t>第二層</a:t>
             </a:r>
           </a:p>
           <a:p>
             <a:pPr lvl="2"/>
             <a:r>
-              <a:rPr lang="zh-TW" altLang="en-US" smtClean="0"/>
+              <a:rPr lang="zh-TW" altLang="en-US"/>
               <a:t>第三層</a:t>
             </a:r>
           </a:p>
           <a:p>
             <a:pPr lvl="3"/>
             <a:r>
-              <a:rPr lang="zh-TW" altLang="en-US" smtClean="0"/>
+              <a:rPr lang="zh-TW" altLang="en-US"/>
               <a:t>第四層</a:t>
             </a:r>
           </a:p>
           <a:p>
             <a:pPr lvl="4"/>
             <a:r>
-              <a:rPr lang="zh-TW" altLang="en-US" smtClean="0"/>
+              <a:rPr lang="zh-TW" altLang="en-US"/>
               <a:t>第五層</a:t>
             </a:r>
-            <a:endParaRPr lang="zh-TW" altLang="en-US"/>
           </a:p>
         </p:txBody>
       </p:sp>
@@ -3147,7 +3125,7 @@
           <a:p>
             <a:fld id="{B91588C3-88A7-43BC-95A3-6AC4878CF94C}" type="datetimeFigureOut">
               <a:rPr lang="zh-TW" altLang="en-US" smtClean="0"/>
-              <a:t>2023/11/1</a:t>
+              <a:t>2024/10/29</a:t>
             </a:fld>
             <a:endParaRPr lang="zh-TW" altLang="en-US"/>
           </a:p>
@@ -3568,7 +3546,7 @@
           <a:lstStyle/>
           <a:p>
             <a:r>
-              <a:rPr lang="en-US" altLang="zh-TW" dirty="0" smtClean="0"/>
+              <a:rPr lang="en-US" altLang="zh-TW" dirty="0"/>
               <a:t>Term Project Proposal</a:t>
             </a:r>
             <a:endParaRPr lang="zh-TW" altLang="en-US" dirty="0"/>
@@ -3591,14 +3569,14 @@
           <a:lstStyle/>
           <a:p>
             <a:r>
-              <a:rPr lang="en-US" altLang="zh-TW" dirty="0" smtClean="0"/>
+              <a:rPr lang="en-US" altLang="zh-TW" dirty="0"/>
               <a:t>By J. H. Wang</a:t>
             </a:r>
           </a:p>
           <a:p>
             <a:r>
-              <a:rPr lang="en-US" altLang="zh-TW" dirty="0" smtClean="0"/>
-              <a:t>Nov. 1, 2023</a:t>
+              <a:rPr lang="en-US" altLang="zh-TW" dirty="0"/>
+              <a:t>Oct. 30, 2024</a:t>
             </a:r>
             <a:endParaRPr lang="zh-TW" altLang="en-US" dirty="0"/>
           </a:p>
@@ -3614,13 +3592,6 @@
   <p:clrMapOvr>
     <a:masterClrMapping/>
   </p:clrMapOvr>
-  <p:timing>
-    <p:tnLst>
-      <p:par>
-        <p:cTn id="1" dur="indefinite" restart="never" nodeType="tmRoot"/>
-      </p:par>
-    </p:tnLst>
-  </p:timing>
 </p:sld>
 </file>
 
@@ -3657,7 +3628,7 @@
           <a:lstStyle/>
           <a:p>
             <a:r>
-              <a:rPr lang="en-US" altLang="zh-TW" dirty="0" smtClean="0"/>
+              <a:rPr lang="en-US" altLang="zh-TW" dirty="0"/>
               <a:t>About the Term Project</a:t>
             </a:r>
             <a:endParaRPr lang="zh-TW" altLang="en-US" dirty="0"/>
@@ -3682,15 +3653,14 @@
           <a:lstStyle/>
           <a:p>
             <a:r>
-              <a:rPr lang="en-US" altLang="zh-TW" dirty="0" smtClean="0"/>
+              <a:rPr lang="en-US" altLang="zh-TW" dirty="0"/>
               <a:t>Term project</a:t>
             </a:r>
-            <a:endParaRPr lang="en-US" altLang="zh-TW" dirty="0"/>
           </a:p>
           <a:p>
             <a:pPr lvl="1"/>
             <a:r>
-              <a:rPr lang="en-US" altLang="zh-TW" dirty="0" smtClean="0">
+              <a:rPr lang="en-US" altLang="zh-TW" dirty="0">
                 <a:solidFill>
                   <a:srgbClr val="0033CC"/>
                 </a:solidFill>
@@ -3698,19 +3668,11 @@
               <a:t>Team-based</a:t>
             </a:r>
             <a:r>
-              <a:rPr lang="en-US" altLang="zh-TW" dirty="0" smtClean="0"/>
-              <a:t> </a:t>
-            </a:r>
-            <a:r>
               <a:rPr lang="en-US" altLang="zh-TW" dirty="0"/>
-              <a:t>system </a:t>
-            </a:r>
-            <a:r>
-              <a:rPr lang="en-US" altLang="zh-TW" dirty="0" smtClean="0"/>
-              <a:t>development (&lt;= </a:t>
-            </a:r>
-            <a:r>
-              <a:rPr lang="en-US" altLang="zh-TW" dirty="0" smtClean="0">
+              <a:t> system development (&lt;= </a:t>
+            </a:r>
+            <a:r>
+              <a:rPr lang="en-US" altLang="zh-TW" dirty="0">
                 <a:solidFill>
                   <a:srgbClr val="FF0000"/>
                 </a:solidFill>
@@ -3718,20 +3680,15 @@
               <a:t>2</a:t>
             </a:r>
             <a:r>
-              <a:rPr lang="en-US" altLang="zh-TW" dirty="0" smtClean="0"/>
+              <a:rPr lang="en-US" altLang="zh-TW" dirty="0"/>
               <a:t> students per team) </a:t>
             </a:r>
-            <a:endParaRPr lang="en-US" altLang="zh-TW" dirty="0"/>
           </a:p>
           <a:p>
             <a:pPr lvl="2"/>
             <a:r>
               <a:rPr lang="en-US" altLang="zh-TW" dirty="0"/>
-              <a:t>e.g. extension to </a:t>
-            </a:r>
-            <a:r>
-              <a:rPr lang="en-US" altLang="zh-TW" dirty="0" smtClean="0"/>
-              <a:t>homework</a:t>
+              <a:t>e.g. extension to homework</a:t>
             </a:r>
           </a:p>
           <a:p>
@@ -3753,7 +3710,7 @@
                   <a:srgbClr val="0000FF"/>
                 </a:solidFill>
               </a:rPr>
-              <a:t>AI cup 2023: </a:t>
+              <a:t>AI Cup 2024: </a:t>
             </a:r>
             <a:r>
               <a:rPr lang="en-US" altLang="zh-TW" dirty="0">
@@ -3762,7 +3719,7 @@
                 </a:solidFill>
                 <a:hlinkClick r:id="rId2"/>
               </a:rPr>
-              <a:t>https://www.aicup.tw/copy-of-ai-cup-2023-1</a:t>
+              <a:t>https://www.aicup.tw/ai-cup-2024-competition</a:t>
             </a:r>
             <a:r>
               <a:rPr lang="en-US" altLang="zh-TW" dirty="0">
@@ -3818,46 +3775,37 @@
           </a:p>
           <a:p>
             <a:r>
-              <a:rPr lang="en-US" altLang="zh-TW" dirty="0" smtClean="0"/>
+              <a:rPr lang="en-US" altLang="zh-TW" dirty="0"/>
               <a:t>Items required and schedule for all teams</a:t>
             </a:r>
           </a:p>
           <a:p>
             <a:pPr lvl="1"/>
             <a:r>
-              <a:rPr lang="en-US" altLang="zh-TW" dirty="0" smtClean="0"/>
+              <a:rPr lang="en-US" altLang="zh-TW" dirty="0"/>
               <a:t>Proposal: *required* one week after midterm (</a:t>
             </a:r>
             <a:r>
-              <a:rPr lang="en-US" altLang="zh-TW" dirty="0" smtClean="0">
+              <a:rPr lang="en-US" altLang="zh-TW" dirty="0">
                 <a:solidFill>
                   <a:srgbClr val="FF0000"/>
                 </a:solidFill>
               </a:rPr>
-              <a:t>Nov. 23, </a:t>
-            </a:r>
-            <a:r>
-              <a:rPr lang="en-US" altLang="zh-TW" dirty="0" smtClean="0">
-                <a:solidFill>
-                  <a:srgbClr val="FF0000"/>
-                </a:solidFill>
-              </a:rPr>
-              <a:t>2023</a:t>
-            </a:r>
-            <a:r>
-              <a:rPr lang="en-US" altLang="zh-TW" dirty="0" smtClean="0"/>
+              <a:t>Nov. 20, 2024</a:t>
+            </a:r>
+            <a:r>
+              <a:rPr lang="en-US" altLang="zh-TW" dirty="0"/>
               <a:t>)</a:t>
             </a:r>
-            <a:endParaRPr lang="en-US" altLang="zh-TW" dirty="0" smtClean="0"/>
           </a:p>
           <a:p>
             <a:pPr lvl="1"/>
             <a:r>
-              <a:rPr lang="en-US" altLang="zh-TW" dirty="0" smtClean="0"/>
+              <a:rPr lang="en-US" altLang="zh-TW" dirty="0"/>
               <a:t>Presentations: *required* in the last </a:t>
             </a:r>
             <a:r>
-              <a:rPr lang="en-US" altLang="zh-TW" dirty="0" smtClean="0">
+              <a:rPr lang="en-US" altLang="zh-TW" dirty="0">
                 <a:solidFill>
                   <a:srgbClr val="0033CC"/>
                 </a:solidFill>
@@ -3865,74 +3813,40 @@
               <a:t>three (or four)</a:t>
             </a:r>
             <a:r>
-              <a:rPr lang="en-US" altLang="zh-TW" dirty="0" smtClean="0"/>
+              <a:rPr lang="en-US" altLang="zh-TW" dirty="0"/>
               <a:t> weeks (starting from </a:t>
             </a:r>
             <a:r>
-              <a:rPr lang="en-US" altLang="zh-TW" dirty="0" smtClean="0">
+              <a:rPr lang="en-US" altLang="zh-TW" dirty="0">
                 <a:solidFill>
                   <a:srgbClr val="FF0000"/>
                 </a:solidFill>
               </a:rPr>
-              <a:t>Dec. 28, </a:t>
-            </a:r>
-            <a:r>
-              <a:rPr lang="en-US" altLang="zh-TW" dirty="0" smtClean="0">
+              <a:t>Dec. 11, 2024</a:t>
+            </a:r>
+            <a:r>
+              <a:rPr lang="en-US" altLang="zh-TW" dirty="0"/>
+              <a:t> at the earliest)</a:t>
+            </a:r>
+          </a:p>
+          <a:p>
+            <a:pPr lvl="1"/>
+            <a:r>
+              <a:rPr lang="en-US" altLang="zh-TW" dirty="0"/>
+              <a:t>Final report: *required* before the end of the semester (</a:t>
+            </a:r>
+            <a:r>
+              <a:rPr lang="en-US" altLang="zh-TW" dirty="0">
                 <a:solidFill>
                   <a:srgbClr val="FF0000"/>
                 </a:solidFill>
               </a:rPr>
-              <a:t>2023</a:t>
-            </a:r>
-            <a:r>
-              <a:rPr lang="en-US" altLang="zh-TW" dirty="0" smtClean="0"/>
+              <a:t>Jan. 10, 2025</a:t>
+            </a:r>
+            <a:r>
+              <a:rPr lang="en-US" altLang="zh-TW" dirty="0"/>
               <a:t>)</a:t>
             </a:r>
-            <a:endParaRPr lang="en-US" altLang="zh-TW" dirty="0" smtClean="0"/>
-          </a:p>
-          <a:p>
-            <a:pPr lvl="1"/>
-            <a:r>
-              <a:rPr lang="en-US" altLang="zh-TW" dirty="0" smtClean="0"/>
-              <a:t>Final report: *required* before the end of the semester (</a:t>
-            </a:r>
-            <a:r>
-              <a:rPr lang="en-US" altLang="zh-TW" dirty="0" smtClean="0">
-                <a:solidFill>
-                  <a:srgbClr val="FF0000"/>
-                </a:solidFill>
-              </a:rPr>
-              <a:t>Jan. </a:t>
-            </a:r>
-            <a:r>
-              <a:rPr lang="en-US" altLang="zh-TW" dirty="0" smtClean="0">
-                <a:solidFill>
-                  <a:srgbClr val="FF0000"/>
-                </a:solidFill>
-              </a:rPr>
-              <a:t>12</a:t>
-            </a:r>
-            <a:r>
-              <a:rPr lang="en-US" altLang="zh-TW" dirty="0" smtClean="0">
-                <a:solidFill>
-                  <a:srgbClr val="FF0000"/>
-                </a:solidFill>
-              </a:rPr>
-              <a:t>, </a:t>
-            </a:r>
-            <a:r>
-              <a:rPr lang="en-US" altLang="zh-TW" dirty="0" smtClean="0">
-                <a:solidFill>
-                  <a:srgbClr val="FF0000"/>
-                </a:solidFill>
-              </a:rPr>
-              <a:t>2024</a:t>
-            </a:r>
-            <a:r>
-              <a:rPr lang="en-US" altLang="zh-TW" dirty="0" smtClean="0"/>
-              <a:t>)</a:t>
-            </a:r>
-            <a:endParaRPr lang="en-US" altLang="zh-TW" dirty="0" smtClean="0"/>
           </a:p>
           <a:p>
             <a:pPr lvl="1"/>
@@ -3950,13 +3864,6 @@
   <p:clrMapOvr>
     <a:masterClrMapping/>
   </p:clrMapOvr>
-  <p:timing>
-    <p:tnLst>
-      <p:par>
-        <p:cTn id="1" dur="indefinite" restart="never" nodeType="tmRoot"/>
-      </p:par>
-    </p:tnLst>
-  </p:timing>
 </p:sld>
 </file>
 
@@ -3993,7 +3900,7 @@
           <a:lstStyle/>
           <a:p>
             <a:r>
-              <a:rPr lang="en-US" altLang="zh-TW" dirty="0" smtClean="0"/>
+              <a:rPr lang="en-US" altLang="zh-TW" dirty="0"/>
               <a:t>Proposal for System Projects</a:t>
             </a:r>
             <a:endParaRPr lang="zh-TW" altLang="en-US" dirty="0"/>
@@ -4016,11 +3923,11 @@
           <a:lstStyle/>
           <a:p>
             <a:r>
-              <a:rPr lang="en-US" altLang="zh-TW" dirty="0" smtClean="0"/>
+              <a:rPr lang="en-US" altLang="zh-TW" dirty="0"/>
               <a:t>A </a:t>
             </a:r>
             <a:r>
-              <a:rPr lang="en-US" altLang="zh-TW" dirty="0" smtClean="0">
+              <a:rPr lang="en-US" altLang="zh-TW" dirty="0">
                 <a:solidFill>
                   <a:srgbClr val="0000FF"/>
                 </a:solidFill>
@@ -4028,24 +3935,24 @@
               <a:t>one-page</a:t>
             </a:r>
             <a:r>
-              <a:rPr lang="en-US" altLang="zh-TW" dirty="0" smtClean="0"/>
+              <a:rPr lang="en-US" altLang="zh-TW" dirty="0"/>
               <a:t> description of ideas about your system</a:t>
             </a:r>
           </a:p>
           <a:p>
             <a:pPr lvl="1"/>
             <a:r>
-              <a:rPr lang="en-US" altLang="zh-TW" dirty="0" smtClean="0"/>
+              <a:rPr lang="en-US" altLang="zh-TW" dirty="0"/>
               <a:t>Introduction: an overview of the problem and possible issues</a:t>
             </a:r>
           </a:p>
           <a:p>
             <a:pPr lvl="1"/>
             <a:r>
-              <a:rPr lang="en-US" altLang="zh-TW" dirty="0" smtClean="0"/>
+              <a:rPr lang="en-US" altLang="zh-TW" dirty="0"/>
               <a:t>Methods: major ideas of your design to solve the problem</a:t>
             </a:r>
-            <a:endParaRPr lang="en-US" altLang="zh-TW" dirty="0" smtClean="0">
+            <a:endParaRPr lang="en-US" altLang="zh-TW" dirty="0">
               <a:solidFill>
                 <a:srgbClr val="FF0000"/>
               </a:solidFill>
@@ -4054,7 +3961,7 @@
           <a:p>
             <a:pPr lvl="1"/>
             <a:r>
-              <a:rPr lang="en-US" altLang="zh-TW" dirty="0" smtClean="0">
+              <a:rPr lang="en-US" altLang="zh-TW" dirty="0">
                 <a:solidFill>
                   <a:srgbClr val="FF0000"/>
                 </a:solidFill>
@@ -4062,24 +3969,24 @@
               <a:t>Team members</a:t>
             </a:r>
             <a:r>
-              <a:rPr lang="en-US" altLang="zh-TW" dirty="0" smtClean="0"/>
+              <a:rPr lang="en-US" altLang="zh-TW" dirty="0"/>
               <a:t>: the names and responsibilities of each member must be clearly identified</a:t>
             </a:r>
           </a:p>
           <a:p>
             <a:pPr lvl="1"/>
             <a:r>
-              <a:rPr lang="en-US" altLang="zh-TW" dirty="0" smtClean="0"/>
+              <a:rPr lang="en-US" altLang="zh-TW" dirty="0"/>
               <a:t>Preferred time slots: your preferred time slot to present</a:t>
             </a:r>
           </a:p>
           <a:p>
             <a:r>
-              <a:rPr lang="en-US" altLang="zh-TW" dirty="0" smtClean="0"/>
+              <a:rPr lang="en-US" altLang="zh-TW" dirty="0"/>
               <a:t>A </a:t>
             </a:r>
             <a:r>
-              <a:rPr lang="en-US" altLang="zh-TW" dirty="0" smtClean="0">
+              <a:rPr lang="en-US" altLang="zh-TW" dirty="0">
                 <a:solidFill>
                   <a:srgbClr val="0000FF"/>
                 </a:solidFill>
@@ -4087,13 +3994,13 @@
               <a:t>20-minute</a:t>
             </a:r>
             <a:r>
-              <a:rPr lang="en-US" altLang="zh-TW" dirty="0" smtClean="0"/>
+              <a:rPr lang="en-US" altLang="zh-TW" dirty="0"/>
               <a:t> presentation that focuses on the major ideas of your design, including demo and Q&amp;A</a:t>
             </a:r>
           </a:p>
           <a:p>
             <a:r>
-              <a:rPr lang="en-US" altLang="zh-TW" dirty="0" smtClean="0"/>
+              <a:rPr lang="en-US" altLang="zh-TW" dirty="0"/>
               <a:t>System functionality and presentation will be counted in the score</a:t>
             </a:r>
             <a:endParaRPr lang="zh-TW" altLang="en-US" dirty="0"/>
@@ -4110,13 +4017,6 @@
   <p:clrMapOvr>
     <a:masterClrMapping/>
   </p:clrMapOvr>
-  <p:timing>
-    <p:tnLst>
-      <p:par>
-        <p:cTn id="1" dur="indefinite" restart="never" nodeType="tmRoot"/>
-      </p:par>
-    </p:tnLst>
-  </p:timing>
 </p:sld>
 </file>
 
@@ -4153,7 +4053,7 @@
           <a:lstStyle/>
           <a:p>
             <a:r>
-              <a:rPr lang="en-US" altLang="zh-TW" dirty="0" smtClean="0"/>
+              <a:rPr lang="en-US" altLang="zh-TW" dirty="0"/>
               <a:t>Proposal Submission</a:t>
             </a:r>
             <a:endParaRPr lang="zh-TW" altLang="en-US" dirty="0"/>
@@ -4176,55 +4076,42 @@
           <a:lstStyle/>
           <a:p>
             <a:r>
-              <a:rPr lang="en-US" altLang="zh-TW" dirty="0" smtClean="0"/>
+              <a:rPr lang="en-US" altLang="zh-TW" dirty="0"/>
               <a:t>Due: </a:t>
             </a:r>
             <a:r>
-              <a:rPr lang="en-US" altLang="zh-TW" dirty="0" smtClean="0">
+              <a:rPr lang="en-US" altLang="zh-TW" dirty="0">
                 <a:solidFill>
                   <a:srgbClr val="FF0000"/>
                 </a:solidFill>
               </a:rPr>
-              <a:t>Nov. 23, </a:t>
-            </a:r>
-            <a:r>
-              <a:rPr lang="en-US" altLang="zh-TW" dirty="0" smtClean="0">
-                <a:solidFill>
-                  <a:srgbClr val="FF0000"/>
-                </a:solidFill>
-              </a:rPr>
-              <a:t>2023</a:t>
-            </a:r>
-            <a:endParaRPr lang="en-US" altLang="zh-TW" dirty="0" smtClean="0">
-              <a:solidFill>
-                <a:srgbClr val="FF0000"/>
-              </a:solidFill>
-            </a:endParaRPr>
-          </a:p>
-          <a:p>
-            <a:r>
-              <a:rPr lang="en-US" altLang="zh-TW" dirty="0" smtClean="0"/>
+              <a:t>Nov. 20, 2024</a:t>
+            </a:r>
+          </a:p>
+          <a:p>
+            <a:r>
+              <a:rPr lang="en-US" altLang="zh-TW" dirty="0"/>
               <a:t>How:</a:t>
             </a:r>
           </a:p>
           <a:p>
             <a:pPr lvl="1"/>
             <a:r>
-              <a:rPr lang="en-US" altLang="zh-TW" dirty="0" err="1" smtClean="0"/>
+              <a:rPr lang="en-US" altLang="zh-TW" dirty="0" err="1"/>
               <a:t>iSchool</a:t>
             </a:r>
             <a:r>
-              <a:rPr lang="en-US" altLang="zh-TW" dirty="0" smtClean="0"/>
+              <a:rPr lang="en-US" altLang="zh-TW" dirty="0"/>
               <a:t>+</a:t>
             </a:r>
           </a:p>
           <a:p>
             <a:r>
-              <a:rPr lang="en-US" altLang="zh-TW" dirty="0" smtClean="0"/>
+              <a:rPr lang="en-US" altLang="zh-TW" dirty="0"/>
               <a:t>The presentation schedule will be arranged in the last </a:t>
             </a:r>
             <a:r>
-              <a:rPr lang="en-US" altLang="zh-TW" dirty="0" smtClean="0">
+              <a:rPr lang="en-US" altLang="zh-TW" dirty="0">
                 <a:solidFill>
                   <a:srgbClr val="0000FF"/>
                 </a:solidFill>
@@ -4232,49 +4119,36 @@
               <a:t>three (or four)</a:t>
             </a:r>
             <a:r>
-              <a:rPr lang="en-US" altLang="zh-TW" dirty="0" smtClean="0"/>
+              <a:rPr lang="en-US" altLang="zh-TW" dirty="0"/>
               <a:t> weeks</a:t>
             </a:r>
           </a:p>
           <a:p>
             <a:pPr lvl="1"/>
             <a:r>
-              <a:rPr lang="en-US" altLang="zh-TW" dirty="0" smtClean="0"/>
+              <a:rPr lang="en-US" altLang="zh-TW" dirty="0"/>
               <a:t>Starting from </a:t>
             </a:r>
             <a:r>
-              <a:rPr lang="en-US" altLang="zh-TW" dirty="0" smtClean="0">
+              <a:rPr lang="en-US" altLang="zh-TW" dirty="0">
                 <a:solidFill>
                   <a:srgbClr val="FF0000"/>
                 </a:solidFill>
               </a:rPr>
-              <a:t>Dec. 28, </a:t>
-            </a:r>
-            <a:r>
-              <a:rPr lang="en-US" altLang="zh-TW" dirty="0" smtClean="0">
-                <a:solidFill>
-                  <a:srgbClr val="FF0000"/>
-                </a:solidFill>
-              </a:rPr>
-              <a:t>2023</a:t>
-            </a:r>
-            <a:endParaRPr lang="en-US" altLang="zh-TW" dirty="0" smtClean="0">
-              <a:solidFill>
-                <a:srgbClr val="FF0000"/>
-              </a:solidFill>
-            </a:endParaRPr>
+              <a:t>Dec. 11, 2024 at the earliest</a:t>
+            </a:r>
           </a:p>
           <a:p>
             <a:pPr lvl="1"/>
             <a:r>
-              <a:rPr lang="en-US" altLang="zh-TW" dirty="0" smtClean="0"/>
+              <a:rPr lang="en-US" altLang="zh-TW" dirty="0"/>
               <a:t>No other time slots available for presentation</a:t>
             </a:r>
           </a:p>
           <a:p>
             <a:pPr lvl="1"/>
             <a:r>
-              <a:rPr lang="en-US" altLang="zh-TW" dirty="0" smtClean="0"/>
+              <a:rPr lang="en-US" altLang="zh-TW" dirty="0"/>
               <a:t>No presentation, no score for term project</a:t>
             </a:r>
           </a:p>
@@ -4294,13 +4168,6 @@
   <p:clrMapOvr>
     <a:masterClrMapping/>
   </p:clrMapOvr>
-  <p:timing>
-    <p:tnLst>
-      <p:par>
-        <p:cTn id="1" dur="indefinite" restart="never" nodeType="tmRoot"/>
-      </p:par>
-    </p:tnLst>
-  </p:timing>
 </p:sld>
 </file>
 
@@ -4837,7 +4704,7 @@
           <a:p>
             <a:pPr eaLnBrk="1" hangingPunct="1"/>
             <a:r>
-              <a:rPr lang="en-US" altLang="zh-TW" dirty="0" smtClean="0"/>
+              <a:rPr lang="en-US" altLang="zh-TW" dirty="0"/>
               <a:t>About the Grading</a:t>
             </a:r>
           </a:p>
@@ -4981,12 +4848,8 @@
               <a:defRPr/>
             </a:pPr>
             <a:r>
-              <a:rPr lang="en-US" altLang="zh-TW" dirty="0" smtClean="0"/>
-              <a:t>Proposals</a:t>
-            </a:r>
-            <a:r>
               <a:rPr lang="en-US" altLang="zh-TW" dirty="0"/>
-              <a:t>, presentations, and reports are </a:t>
+              <a:t>Proposals, presentations, and reports are </a:t>
             </a:r>
             <a:r>
               <a:rPr lang="en-US" altLang="zh-TW" b="1" dirty="0">
@@ -5002,15 +4865,7 @@
             </a:r>
             <a:r>
               <a:rPr lang="en-US" altLang="zh-TW" dirty="0"/>
-              <a:t>, </a:t>
-            </a:r>
-            <a:r>
-              <a:rPr lang="en-US" altLang="zh-TW" dirty="0" smtClean="0"/>
-              <a:t>which </a:t>
-            </a:r>
-            <a:r>
-              <a:rPr lang="en-US" altLang="zh-TW" dirty="0"/>
-              <a:t>will be counted in the score</a:t>
+              <a:t>, which will be counted in the score</a:t>
             </a:r>
           </a:p>
           <a:p>
@@ -5031,13 +4886,6 @@
   <p:clrMapOvr>
     <a:masterClrMapping/>
   </p:clrMapOvr>
-  <p:timing>
-    <p:tnLst>
-      <p:par>
-        <p:cTn id="1" dur="indefinite" restart="never" nodeType="tmRoot"/>
-      </p:par>
-    </p:tnLst>
-  </p:timing>
 </p:sld>
 </file>
 
@@ -5074,12 +4922,8 @@
           <a:lstStyle/>
           <a:p>
             <a:r>
-              <a:rPr lang="en-US" altLang="zh-TW" dirty="0" smtClean="0"/>
-              <a:t>Possible </a:t>
-            </a:r>
-            <a:r>
-              <a:rPr lang="en-US" altLang="zh-TW" dirty="0" smtClean="0"/>
-              <a:t>Topics for Term Project</a:t>
+              <a:rPr lang="en-US" altLang="zh-TW" dirty="0"/>
+              <a:t>Possible Topics for Term Project</a:t>
             </a:r>
             <a:endParaRPr lang="zh-TW" altLang="en-US" dirty="0"/>
           </a:p>
@@ -5104,25 +4948,16 @@
               <a:defRPr/>
             </a:pPr>
             <a:r>
-              <a:rPr lang="en-US" altLang="zh-TW" dirty="0" smtClean="0"/>
-              <a:t>AI Cup </a:t>
-            </a:r>
-            <a:r>
-              <a:rPr lang="en-US" altLang="zh-TW" dirty="0" smtClean="0"/>
-              <a:t>2023 </a:t>
-            </a:r>
-            <a:r>
-              <a:rPr lang="en-US" altLang="zh-TW" dirty="0" smtClean="0"/>
-              <a:t>Competition</a:t>
-            </a:r>
-            <a:endParaRPr lang="en-US" altLang="zh-TW" dirty="0"/>
+              <a:rPr lang="en-US" altLang="zh-TW" dirty="0"/>
+              <a:t>AI Cup 2024 Competition</a:t>
+            </a:r>
           </a:p>
           <a:p>
             <a:pPr lvl="1">
               <a:defRPr/>
             </a:pPr>
             <a:r>
-              <a:rPr lang="en-US" altLang="zh-TW" dirty="0" err="1" smtClean="0">
+              <a:rPr lang="en-US" altLang="zh-TW" dirty="0" err="1">
                 <a:solidFill>
                   <a:srgbClr val="0000FF"/>
                 </a:solidFill>
@@ -5130,7 +4965,7 @@
               <a:t>TBrain</a:t>
             </a:r>
             <a:r>
-              <a:rPr lang="en-US" altLang="zh-TW" dirty="0" smtClean="0">
+              <a:rPr lang="en-US" altLang="zh-TW" dirty="0">
                 <a:solidFill>
                   <a:srgbClr val="0000FF"/>
                 </a:solidFill>
@@ -5141,30 +4976,18 @@
               <a:rPr lang="en-US" altLang="zh-TW" dirty="0">
                 <a:hlinkClick r:id="rId2"/>
               </a:rPr>
-              <a:t>Go strength imitation and Go style recognition competition</a:t>
-            </a:r>
-            <a:r>
-              <a:rPr lang="en-US" altLang="zh-TW" dirty="0" smtClean="0">
-                <a:solidFill>
-                  <a:srgbClr val="0000FF"/>
-                </a:solidFill>
-              </a:rPr>
+              <a:t>Competition to predict power generation based on regional microclimate data</a:t>
+            </a:r>
+            <a:r>
+              <a:rPr lang="en-US" altLang="zh-TW" dirty="0"/>
               <a:t> (</a:t>
             </a:r>
             <a:r>
-              <a:rPr lang="zh-TW" altLang="en-US" dirty="0">
-                <a:solidFill>
-                  <a:srgbClr val="0000FF"/>
-                </a:solidFill>
-              </a:rPr>
-              <a:t>圍棋棋力模仿與棋風辨識競賽</a:t>
-            </a:r>
-            <a:r>
-              <a:rPr lang="en-US" altLang="zh-TW" dirty="0" smtClean="0">
-                <a:solidFill>
-                  <a:srgbClr val="0000FF"/>
-                </a:solidFill>
-              </a:rPr>
+              <a:rPr lang="zh-TW" altLang="en-US" dirty="0"/>
+              <a:t>根據區域微氣候資料預測發電量競賽</a:t>
+            </a:r>
+            <a:r>
+              <a:rPr lang="en-US" altLang="zh-TW" dirty="0"/>
               <a:t>)</a:t>
             </a:r>
           </a:p>
@@ -5173,54 +4996,86 @@
               <a:defRPr/>
             </a:pPr>
             <a:r>
-              <a:rPr lang="en-US" altLang="zh-TW" dirty="0" err="1" smtClean="0"/>
-              <a:t>CodaLab</a:t>
-            </a:r>
-            <a:r>
-              <a:rPr lang="en-US" altLang="zh-TW" dirty="0"/>
+              <a:rPr lang="en-US" altLang="zh-TW" dirty="0" err="1">
+                <a:solidFill>
+                  <a:srgbClr val="0000FF"/>
+                </a:solidFill>
+              </a:rPr>
+              <a:t>TBrain</a:t>
+            </a:r>
+            <a:r>
+              <a:rPr lang="en-US" altLang="zh-TW" dirty="0">
+                <a:solidFill>
+                  <a:srgbClr val="0000FF"/>
+                </a:solidFill>
+              </a:rPr>
               <a:t>: </a:t>
             </a:r>
             <a:r>
               <a:rPr lang="en-US" altLang="zh-TW" dirty="0">
+                <a:solidFill>
+                  <a:srgbClr val="0000FF"/>
+                </a:solidFill>
                 <a:hlinkClick r:id="rId3"/>
               </a:rPr>
-              <a:t>https://</a:t>
-            </a:r>
-            <a:r>
-              <a:rPr lang="en-US" altLang="zh-TW" dirty="0" smtClean="0">
-                <a:hlinkClick r:id="rId3"/>
+              <a:t>Applications of RAG and LLM in Financial Question Answering</a:t>
+            </a:r>
+            <a:r>
+              <a:rPr lang="en-US" altLang="zh-TW" dirty="0">
+                <a:solidFill>
+                  <a:srgbClr val="0000FF"/>
+                </a:solidFill>
               </a:rPr>
-              <a:t>codalab.lisn.upsaclay.fr/competitions/15425?secret_key=db7687a5-8fc7-4323-a94f-2cca2ac04d39</a:t>
-            </a:r>
-            <a:r>
-              <a:rPr lang="en-US" altLang="zh-TW" dirty="0" smtClean="0"/>
               <a:t> (</a:t>
             </a:r>
             <a:r>
-              <a:rPr lang="zh-TW" altLang="en-US" dirty="0" smtClean="0"/>
-              <a:t>隱私</a:t>
-            </a:r>
-            <a:r>
-              <a:rPr lang="zh-TW" altLang="en-US" dirty="0"/>
-              <a:t>保護與醫學數據標準化競賽</a:t>
-            </a:r>
-            <a:r>
-              <a:rPr lang="en-US" altLang="zh-TW" dirty="0"/>
-              <a:t>: </a:t>
-            </a:r>
-            <a:r>
-              <a:rPr lang="zh-TW" altLang="en-US" dirty="0"/>
-              <a:t>解碼臨床病例、讓數據說</a:t>
-            </a:r>
-            <a:r>
-              <a:rPr lang="zh-TW" altLang="en-US" dirty="0" smtClean="0"/>
-              <a:t>故事</a:t>
-            </a:r>
-            <a:r>
-              <a:rPr lang="en-US" altLang="zh-TW" dirty="0" smtClean="0"/>
+              <a:rPr lang="zh-TW" altLang="en-US" dirty="0">
+                <a:solidFill>
+                  <a:srgbClr val="0000FF"/>
+                </a:solidFill>
+              </a:rPr>
+              <a:t>玉山人工智慧公開挑戰賽－</a:t>
+            </a:r>
+            <a:r>
+              <a:rPr lang="en-US" altLang="zh-TW" dirty="0">
+                <a:solidFill>
+                  <a:srgbClr val="0000FF"/>
+                </a:solidFill>
+              </a:rPr>
+              <a:t>RAG</a:t>
+            </a:r>
+            <a:r>
+              <a:rPr lang="zh-TW" altLang="en-US" dirty="0">
+                <a:solidFill>
+                  <a:srgbClr val="0000FF"/>
+                </a:solidFill>
+              </a:rPr>
+              <a:t>與</a:t>
+            </a:r>
+            <a:r>
+              <a:rPr lang="en-US" altLang="zh-TW" dirty="0">
+                <a:solidFill>
+                  <a:srgbClr val="0000FF"/>
+                </a:solidFill>
+              </a:rPr>
+              <a:t>LLM</a:t>
+            </a:r>
+            <a:r>
+              <a:rPr lang="zh-TW" altLang="en-US" dirty="0">
+                <a:solidFill>
+                  <a:srgbClr val="0000FF"/>
+                </a:solidFill>
+              </a:rPr>
+              <a:t>在金融問答的應用</a:t>
+            </a:r>
+            <a:r>
+              <a:rPr lang="en-US" altLang="zh-TW" dirty="0">
+                <a:solidFill>
+                  <a:srgbClr val="0000FF"/>
+                </a:solidFill>
+              </a:rPr>
               <a:t>)</a:t>
             </a:r>
-            <a:endParaRPr lang="en-US" altLang="zh-TW" dirty="0"/>
           </a:p>
           <a:p>
             <a:endParaRPr lang="zh-TW" altLang="en-US" dirty="0"/>
@@ -5273,7 +5128,7 @@
           <a:lstStyle/>
           <a:p>
             <a:r>
-              <a:rPr lang="en-US" altLang="zh-TW" dirty="0" smtClean="0"/>
+              <a:rPr lang="en-US" altLang="zh-TW" dirty="0"/>
               <a:t>Thanks for Your Attention!</a:t>
             </a:r>
             <a:endParaRPr lang="zh-TW" altLang="en-US" dirty="0"/>
@@ -5309,13 +5164,6 @@
   <p:clrMapOvr>
     <a:masterClrMapping/>
   </p:clrMapOvr>
-  <p:timing>
-    <p:tnLst>
-      <p:par>
-        <p:cTn id="1" dur="indefinite" restart="never" nodeType="tmRoot"/>
-      </p:par>
-    </p:tnLst>
-  </p:timing>
 </p:sld>
 </file>
 

--- a/BDM/proposal.pptx
+++ b/BDM/proposal.pptx
@@ -5,7 +5,7 @@
     <p:sldMasterId id="2147483648" r:id="rId1"/>
   </p:sldMasterIdLst>
   <p:notesMasterIdLst>
-    <p:notesMasterId r:id="rId9"/>
+    <p:notesMasterId r:id="rId12"/>
   </p:notesMasterIdLst>
   <p:sldIdLst>
     <p:sldId id="256" r:id="rId2"/>
@@ -14,7 +14,10 @@
     <p:sldId id="265" r:id="rId5"/>
     <p:sldId id="261" r:id="rId6"/>
     <p:sldId id="266" r:id="rId7"/>
-    <p:sldId id="263" r:id="rId8"/>
+    <p:sldId id="264" r:id="rId8"/>
+    <p:sldId id="267" r:id="rId9"/>
+    <p:sldId id="268" r:id="rId10"/>
+    <p:sldId id="263" r:id="rId11"/>
   </p:sldIdLst>
   <p:sldSz cx="12192000" cy="6858000"/>
   <p:notesSz cx="6858000" cy="9144000"/>
@@ -203,7 +206,7 @@
           <a:p>
             <a:fld id="{407347E7-AB2C-4DCC-BC63-0B11171EA9A3}" type="datetimeFigureOut">
               <a:rPr lang="zh-TW" altLang="en-US" smtClean="0"/>
-              <a:t>2024/10/29</a:t>
+              <a:t>2025/10/19</a:t>
             </a:fld>
             <a:endParaRPr lang="zh-TW" altLang="en-US"/>
           </a:p>
@@ -823,7 +826,7 @@
           <a:p>
             <a:fld id="{B91588C3-88A7-43BC-95A3-6AC4878CF94C}" type="datetimeFigureOut">
               <a:rPr lang="zh-TW" altLang="en-US" smtClean="0"/>
-              <a:t>2024/10/29</a:t>
+              <a:t>2025/10/19</a:t>
             </a:fld>
             <a:endParaRPr lang="zh-TW" altLang="en-US"/>
           </a:p>
@@ -991,7 +994,7 @@
           <a:p>
             <a:fld id="{B91588C3-88A7-43BC-95A3-6AC4878CF94C}" type="datetimeFigureOut">
               <a:rPr lang="zh-TW" altLang="en-US" smtClean="0"/>
-              <a:t>2024/10/29</a:t>
+              <a:t>2025/10/19</a:t>
             </a:fld>
             <a:endParaRPr lang="zh-TW" altLang="en-US"/>
           </a:p>
@@ -1169,7 +1172,7 @@
           <a:p>
             <a:fld id="{B91588C3-88A7-43BC-95A3-6AC4878CF94C}" type="datetimeFigureOut">
               <a:rPr lang="zh-TW" altLang="en-US" smtClean="0"/>
-              <a:t>2024/10/29</a:t>
+              <a:t>2025/10/19</a:t>
             </a:fld>
             <a:endParaRPr lang="zh-TW" altLang="en-US"/>
           </a:p>
@@ -1337,7 +1340,7 @@
           <a:p>
             <a:fld id="{B91588C3-88A7-43BC-95A3-6AC4878CF94C}" type="datetimeFigureOut">
               <a:rPr lang="zh-TW" altLang="en-US" smtClean="0"/>
-              <a:t>2024/10/29</a:t>
+              <a:t>2025/10/19</a:t>
             </a:fld>
             <a:endParaRPr lang="zh-TW" altLang="en-US"/>
           </a:p>
@@ -1582,7 +1585,7 @@
           <a:p>
             <a:fld id="{B91588C3-88A7-43BC-95A3-6AC4878CF94C}" type="datetimeFigureOut">
               <a:rPr lang="zh-TW" altLang="en-US" smtClean="0"/>
-              <a:t>2024/10/29</a:t>
+              <a:t>2025/10/19</a:t>
             </a:fld>
             <a:endParaRPr lang="zh-TW" altLang="en-US"/>
           </a:p>
@@ -1811,7 +1814,7 @@
           <a:p>
             <a:fld id="{B91588C3-88A7-43BC-95A3-6AC4878CF94C}" type="datetimeFigureOut">
               <a:rPr lang="zh-TW" altLang="en-US" smtClean="0"/>
-              <a:t>2024/10/29</a:t>
+              <a:t>2025/10/19</a:t>
             </a:fld>
             <a:endParaRPr lang="zh-TW" altLang="en-US"/>
           </a:p>
@@ -2175,7 +2178,7 @@
           <a:p>
             <a:fld id="{B91588C3-88A7-43BC-95A3-6AC4878CF94C}" type="datetimeFigureOut">
               <a:rPr lang="zh-TW" altLang="en-US" smtClean="0"/>
-              <a:t>2024/10/29</a:t>
+              <a:t>2025/10/19</a:t>
             </a:fld>
             <a:endParaRPr lang="zh-TW" altLang="en-US"/>
           </a:p>
@@ -2292,7 +2295,7 @@
           <a:p>
             <a:fld id="{B91588C3-88A7-43BC-95A3-6AC4878CF94C}" type="datetimeFigureOut">
               <a:rPr lang="zh-TW" altLang="en-US" smtClean="0"/>
-              <a:t>2024/10/29</a:t>
+              <a:t>2025/10/19</a:t>
             </a:fld>
             <a:endParaRPr lang="zh-TW" altLang="en-US"/>
           </a:p>
@@ -2387,7 +2390,7 @@
           <a:p>
             <a:fld id="{B91588C3-88A7-43BC-95A3-6AC4878CF94C}" type="datetimeFigureOut">
               <a:rPr lang="zh-TW" altLang="en-US" smtClean="0"/>
-              <a:t>2024/10/29</a:t>
+              <a:t>2025/10/19</a:t>
             </a:fld>
             <a:endParaRPr lang="zh-TW" altLang="en-US"/>
           </a:p>
@@ -2662,7 +2665,7 @@
           <a:p>
             <a:fld id="{B91588C3-88A7-43BC-95A3-6AC4878CF94C}" type="datetimeFigureOut">
               <a:rPr lang="zh-TW" altLang="en-US" smtClean="0"/>
-              <a:t>2024/10/29</a:t>
+              <a:t>2025/10/19</a:t>
             </a:fld>
             <a:endParaRPr lang="zh-TW" altLang="en-US"/>
           </a:p>
@@ -2914,7 +2917,7 @@
           <a:p>
             <a:fld id="{B91588C3-88A7-43BC-95A3-6AC4878CF94C}" type="datetimeFigureOut">
               <a:rPr lang="zh-TW" altLang="en-US" smtClean="0"/>
-              <a:t>2024/10/29</a:t>
+              <a:t>2025/10/19</a:t>
             </a:fld>
             <a:endParaRPr lang="zh-TW" altLang="en-US"/>
           </a:p>
@@ -3125,7 +3128,7 @@
           <a:p>
             <a:fld id="{B91588C3-88A7-43BC-95A3-6AC4878CF94C}" type="datetimeFigureOut">
               <a:rPr lang="zh-TW" altLang="en-US" smtClean="0"/>
-              <a:t>2024/10/29</a:t>
+              <a:t>2025/10/19</a:t>
             </a:fld>
             <a:endParaRPr lang="zh-TW" altLang="en-US"/>
           </a:p>
@@ -3576,7 +3579,7 @@
           <a:p>
             <a:r>
               <a:rPr lang="en-US" altLang="zh-TW" dirty="0"/>
-              <a:t>Oct. 30, 2024</a:t>
+              <a:t>Oct. 20, 2025</a:t>
             </a:r>
             <a:endParaRPr lang="zh-TW" altLang="en-US" dirty="0"/>
           </a:p>
@@ -3586,6 +3589,78 @@
     <p:extLst>
       <p:ext uri="{BB962C8B-B14F-4D97-AF65-F5344CB8AC3E}">
         <p14:creationId xmlns:p14="http://schemas.microsoft.com/office/powerpoint/2010/main" val="3149659872"/>
+      </p:ext>
+    </p:extLst>
+  </p:cSld>
+  <p:clrMapOvr>
+    <a:masterClrMapping/>
+  </p:clrMapOvr>
+</p:sld>
+</file>
+
+<file path=ppt/slides/slide10.xml><?xml version="1.0" encoding="utf-8"?>
+<p:sld xmlns:a="http://schemas.openxmlformats.org/drawingml/2006/main" xmlns:r="http://schemas.openxmlformats.org/officeDocument/2006/relationships" xmlns:p="http://schemas.openxmlformats.org/presentationml/2006/main">
+  <p:cSld>
+    <p:spTree>
+      <p:nvGrpSpPr>
+        <p:cNvPr id="1" name=""/>
+        <p:cNvGrpSpPr/>
+        <p:nvPr/>
+      </p:nvGrpSpPr>
+      <p:grpSpPr>
+        <a:xfrm>
+          <a:off x="0" y="0"/>
+          <a:ext cx="0" cy="0"/>
+          <a:chOff x="0" y="0"/>
+          <a:chExt cx="0" cy="0"/>
+        </a:xfrm>
+      </p:grpSpPr>
+      <p:sp>
+        <p:nvSpPr>
+          <p:cNvPr id="2" name="標題 1"/>
+          <p:cNvSpPr>
+            <a:spLocks noGrp="1"/>
+          </p:cNvSpPr>
+          <p:nvPr>
+            <p:ph type="title"/>
+          </p:nvPr>
+        </p:nvSpPr>
+        <p:spPr/>
+        <p:txBody>
+          <a:bodyPr/>
+          <a:lstStyle/>
+          <a:p>
+            <a:r>
+              <a:rPr lang="en-US" altLang="zh-TW" dirty="0"/>
+              <a:t>Thanks for Your Attention!</a:t>
+            </a:r>
+            <a:endParaRPr lang="zh-TW" altLang="en-US" dirty="0"/>
+          </a:p>
+        </p:txBody>
+      </p:sp>
+      <p:sp>
+        <p:nvSpPr>
+          <p:cNvPr id="3" name="內容版面配置區 2"/>
+          <p:cNvSpPr>
+            <a:spLocks noGrp="1"/>
+          </p:cNvSpPr>
+          <p:nvPr>
+            <p:ph idx="1"/>
+          </p:nvPr>
+        </p:nvSpPr>
+        <p:spPr/>
+        <p:txBody>
+          <a:bodyPr/>
+          <a:lstStyle/>
+          <a:p>
+            <a:endParaRPr lang="zh-TW" altLang="en-US"/>
+          </a:p>
+        </p:txBody>
+      </p:sp>
+    </p:spTree>
+    <p:extLst>
+      <p:ext uri="{BB962C8B-B14F-4D97-AF65-F5344CB8AC3E}">
+        <p14:creationId xmlns:p14="http://schemas.microsoft.com/office/powerpoint/2010/main" val="3996033091"/>
       </p:ext>
     </p:extLst>
   </p:cSld>
@@ -3791,7 +3866,7 @@
                   <a:srgbClr val="FF0000"/>
                 </a:solidFill>
               </a:rPr>
-              <a:t>Nov. 20, 2024</a:t>
+              <a:t>Nov. 17, 2025</a:t>
             </a:r>
             <a:r>
               <a:rPr lang="en-US" altLang="zh-TW" dirty="0"/>
@@ -3822,7 +3897,7 @@
                   <a:srgbClr val="FF0000"/>
                 </a:solidFill>
               </a:rPr>
-              <a:t>Dec. 11, 2024</a:t>
+              <a:t>Dec. 15, 2025</a:t>
             </a:r>
             <a:r>
               <a:rPr lang="en-US" altLang="zh-TW" dirty="0"/>
@@ -3841,7 +3916,7 @@
                   <a:srgbClr val="FF0000"/>
                 </a:solidFill>
               </a:rPr>
-              <a:t>Jan. 10, 2025</a:t>
+              <a:t>Jan. 9, 2026</a:t>
             </a:r>
             <a:r>
               <a:rPr lang="en-US" altLang="zh-TW" dirty="0"/>
@@ -4085,7 +4160,7 @@
                   <a:srgbClr val="FF0000"/>
                 </a:solidFill>
               </a:rPr>
-              <a:t>Nov. 20, 2024</a:t>
+              <a:t>Nov. 17, 2025</a:t>
             </a:r>
           </a:p>
           <a:p>
@@ -4135,7 +4210,7 @@
                   <a:srgbClr val="FF0000"/>
                 </a:solidFill>
               </a:rPr>
-              <a:t>Dec. 11, 2024 at the earliest</a:t>
+              <a:t>Dec. 15, 2025 at the earliest</a:t>
             </a:r>
           </a:p>
           <a:p>
@@ -4949,45 +5024,52 @@
             </a:pPr>
             <a:r>
               <a:rPr lang="en-US" altLang="zh-TW" dirty="0"/>
-              <a:t>AI Cup 2024 Competition</a:t>
-            </a:r>
+              <a:t>AI Cup 2025 Competition: </a:t>
+            </a:r>
+            <a:r>
+              <a:rPr lang="en-US" altLang="zh-TW" sz="2800" dirty="0">
+                <a:solidFill>
+                  <a:srgbClr val="0000FF"/>
+                </a:solidFill>
+                <a:hlinkClick r:id="rId2"/>
+              </a:rPr>
+              <a:t>https://www.aicup.tw/ai-cup-2025-competition</a:t>
+            </a:r>
+            <a:endParaRPr lang="en-US" altLang="zh-TW" dirty="0"/>
           </a:p>
           <a:p>
             <a:pPr lvl="1">
               <a:defRPr/>
             </a:pPr>
             <a:r>
-              <a:rPr lang="en-US" altLang="zh-TW" dirty="0" err="1">
-                <a:solidFill>
-                  <a:srgbClr val="0000FF"/>
-                </a:solidFill>
-              </a:rPr>
-              <a:t>TBrain</a:t>
-            </a:r>
-            <a:r>
-              <a:rPr lang="en-US" altLang="zh-TW" dirty="0">
-                <a:solidFill>
-                  <a:srgbClr val="0000FF"/>
-                </a:solidFill>
-              </a:rPr>
-              <a:t>: </a:t>
-            </a:r>
-            <a:r>
-              <a:rPr lang="en-US" altLang="zh-TW" dirty="0">
-                <a:hlinkClick r:id="rId2"/>
-              </a:rPr>
-              <a:t>Competition to predict power generation based on regional microclimate data</a:t>
-            </a:r>
-            <a:r>
-              <a:rPr lang="en-US" altLang="zh-TW" dirty="0"/>
-              <a:t> (</a:t>
-            </a:r>
-            <a:r>
-              <a:rPr lang="zh-TW" altLang="en-US" dirty="0"/>
-              <a:t>根據區域微氣候資料預測發電量競賽</a:t>
-            </a:r>
-            <a:r>
-              <a:rPr lang="en-US" altLang="zh-TW" dirty="0"/>
+              <a:rPr lang="zh-TW" altLang="en-US" b="1" dirty="0"/>
+              <a:t>玉山人工智慧公開挑戰賽－</a:t>
+            </a:r>
+            <a:r>
+              <a:rPr lang="en-US" altLang="zh-TW" b="1" dirty="0"/>
+              <a:t>AI</a:t>
+            </a:r>
+            <a:r>
+              <a:rPr lang="zh-TW" altLang="en-US" b="1" dirty="0"/>
+              <a:t>偵探出任務，精準揪出警示帳戶！</a:t>
+            </a:r>
+            <a:endParaRPr lang="en-US" altLang="zh-TW" b="1" dirty="0"/>
+          </a:p>
+          <a:p>
+            <a:pPr marL="457200" lvl="1" indent="0">
+              <a:buNone/>
+              <a:defRPr/>
+            </a:pPr>
+            <a:r>
+              <a:rPr lang="en-US" altLang="zh-TW" b="1" dirty="0"/>
+              <a:t>(</a:t>
+            </a:r>
+            <a:r>
+              <a:rPr lang="en-US" altLang="zh-TW" dirty="0"/>
+              <a:t>Watch-Listed Account Detection</a:t>
+            </a:r>
+            <a:r>
+              <a:rPr lang="en-US" altLang="zh-TW" b="1" dirty="0"/>
               <a:t>)</a:t>
             </a:r>
           </a:p>
@@ -4996,86 +5078,172 @@
               <a:defRPr/>
             </a:pPr>
             <a:r>
-              <a:rPr lang="en-US" altLang="zh-TW" dirty="0" err="1">
-                <a:solidFill>
-                  <a:srgbClr val="0000FF"/>
-                </a:solidFill>
+              <a:rPr lang="zh-TW" altLang="en-US" b="1" i="0" dirty="0">
+                <a:solidFill>
+                  <a:srgbClr val="2F2E2E"/>
+                </a:solidFill>
+                <a:effectLst/>
+                <a:latin typeface="wfont_7fbdbf_b0d9a3f8bf6446fdb351c82b114a98ea"/>
               </a:rPr>
-              <a:t>TBrain</a:t>
-            </a:r>
-            <a:r>
-              <a:rPr lang="en-US" altLang="zh-TW" dirty="0">
-                <a:solidFill>
-                  <a:srgbClr val="0000FF"/>
-                </a:solidFill>
+              <a:t>電腦斷層心臟肌肉影像分割競賽 </a:t>
+            </a:r>
+            <a:br>
+              <a:rPr lang="en-US" altLang="zh-TW" b="1" i="0" dirty="0">
+                <a:solidFill>
+                  <a:srgbClr val="2F2E2E"/>
+                </a:solidFill>
+                <a:effectLst/>
+                <a:latin typeface="wfont_7fbdbf_b0d9a3f8bf6446fdb351c82b114a98ea"/>
               </a:rPr>
-              <a:t>: </a:t>
-            </a:r>
-            <a:r>
-              <a:rPr lang="en-US" altLang="zh-TW" dirty="0">
-                <a:solidFill>
-                  <a:srgbClr val="0000FF"/>
-                </a:solidFill>
-                <a:hlinkClick r:id="rId3"/>
+            </a:br>
+            <a:r>
+              <a:rPr lang="en-US" altLang="zh-TW" b="1" i="0" dirty="0">
+                <a:solidFill>
+                  <a:srgbClr val="2F2E2E"/>
+                </a:solidFill>
+                <a:effectLst/>
+                <a:latin typeface="wfont_7fbdbf_b0d9a3f8bf6446fdb351c82b114a98ea"/>
               </a:rPr>
-              <a:t>Applications of RAG and LLM in Financial Question Answering</a:t>
-            </a:r>
-            <a:r>
-              <a:rPr lang="en-US" altLang="zh-TW" dirty="0">
-                <a:solidFill>
-                  <a:srgbClr val="0000FF"/>
-                </a:solidFill>
-              </a:rPr>
-              <a:t> (</a:t>
-            </a:r>
-            <a:r>
-              <a:rPr lang="zh-TW" altLang="en-US" dirty="0">
-                <a:solidFill>
-                  <a:srgbClr val="0000FF"/>
-                </a:solidFill>
-              </a:rPr>
-              <a:t>玉山人工智慧公開挑戰賽－</a:t>
-            </a:r>
-            <a:r>
-              <a:rPr lang="en-US" altLang="zh-TW" dirty="0">
-                <a:solidFill>
-                  <a:srgbClr val="0000FF"/>
-                </a:solidFill>
-              </a:rPr>
-              <a:t>RAG</a:t>
-            </a:r>
-            <a:r>
-              <a:rPr lang="zh-TW" altLang="en-US" dirty="0">
-                <a:solidFill>
-                  <a:srgbClr val="0000FF"/>
-                </a:solidFill>
-              </a:rPr>
-              <a:t>與</a:t>
-            </a:r>
-            <a:r>
-              <a:rPr lang="en-US" altLang="zh-TW" dirty="0">
-                <a:solidFill>
-                  <a:srgbClr val="0000FF"/>
-                </a:solidFill>
-              </a:rPr>
-              <a:t>LLM</a:t>
-            </a:r>
-            <a:r>
-              <a:rPr lang="zh-TW" altLang="en-US" dirty="0">
-                <a:solidFill>
-                  <a:srgbClr val="0000FF"/>
-                </a:solidFill>
-              </a:rPr>
-              <a:t>在金融問答的應用</a:t>
-            </a:r>
-            <a:r>
-              <a:rPr lang="en-US" altLang="zh-TW" dirty="0">
-                <a:solidFill>
-                  <a:srgbClr val="0000FF"/>
-                </a:solidFill>
+              <a:t>(</a:t>
+            </a:r>
+            <a:r>
+              <a:rPr lang="en-US" altLang="zh-TW" dirty="0"/>
+              <a:t>Computed Tomography Myocardium Image Segmentation</a:t>
+            </a:r>
+            <a:r>
+              <a:rPr lang="en-US" altLang="zh-TW" b="1" i="0" dirty="0">
+                <a:solidFill>
+                  <a:srgbClr val="2F2E2E"/>
+                </a:solidFill>
+                <a:effectLst/>
+                <a:latin typeface="wfont_7fbdbf_b0d9a3f8bf6446fdb351c82b114a98ea"/>
               </a:rPr>
               <a:t>)</a:t>
             </a:r>
+          </a:p>
+          <a:p>
+            <a:pPr lvl="2">
+              <a:defRPr/>
+            </a:pPr>
+            <a:r>
+              <a:rPr lang="zh-TW" altLang="en-US" b="1" dirty="0">
+                <a:solidFill>
+                  <a:srgbClr val="2F2E2E"/>
+                </a:solidFill>
+                <a:latin typeface="wfont_7fbdbf_b0d9a3f8bf6446fdb351c82b114a98ea"/>
+              </a:rPr>
+              <a:t>競賽</a:t>
+            </a:r>
+            <a:r>
+              <a:rPr lang="en-US" altLang="zh-TW" b="1" dirty="0">
+                <a:solidFill>
+                  <a:srgbClr val="2F2E2E"/>
+                </a:solidFill>
+                <a:latin typeface="wfont_7fbdbf_b0d9a3f8bf6446fdb351c82b114a98ea"/>
+              </a:rPr>
+              <a:t>I: </a:t>
+            </a:r>
+            <a:r>
+              <a:rPr lang="zh-TW" altLang="en-US" b="1" dirty="0">
+                <a:solidFill>
+                  <a:srgbClr val="2F2E2E"/>
+                </a:solidFill>
+                <a:latin typeface="wfont_7fbdbf_b0d9a3f8bf6446fdb351c82b114a98ea"/>
+              </a:rPr>
+              <a:t>心臟肌肉影像分割 </a:t>
+            </a:r>
+            <a:r>
+              <a:rPr lang="en-US" altLang="zh-TW" b="1" dirty="0">
+                <a:solidFill>
+                  <a:srgbClr val="2F2E2E"/>
+                </a:solidFill>
+                <a:latin typeface="wfont_7fbdbf_b0d9a3f8bf6446fdb351c82b114a98ea"/>
+              </a:rPr>
+              <a:t>(</a:t>
+            </a:r>
+            <a:r>
+              <a:rPr lang="en-US" altLang="zh-TW" dirty="0"/>
+              <a:t>Myocardium Image Segmentation</a:t>
+            </a:r>
+            <a:r>
+              <a:rPr lang="en-US" altLang="zh-TW" b="1" dirty="0">
+                <a:solidFill>
+                  <a:srgbClr val="2F2E2E"/>
+                </a:solidFill>
+                <a:latin typeface="wfont_7fbdbf_b0d9a3f8bf6446fdb351c82b114a98ea"/>
+              </a:rPr>
+              <a:t>)</a:t>
+            </a:r>
+          </a:p>
+          <a:p>
+            <a:pPr lvl="2">
+              <a:defRPr/>
+            </a:pPr>
+            <a:r>
+              <a:rPr lang="zh-TW" altLang="en-US" b="1" dirty="0">
+                <a:solidFill>
+                  <a:srgbClr val="2F2E2E"/>
+                </a:solidFill>
+                <a:latin typeface="wfont_7fbdbf_b0d9a3f8bf6446fdb351c82b114a98ea"/>
+              </a:rPr>
+              <a:t>競賽</a:t>
+            </a:r>
+            <a:r>
+              <a:rPr lang="en-US" altLang="zh-TW" b="1" dirty="0">
+                <a:solidFill>
+                  <a:srgbClr val="2F2E2E"/>
+                </a:solidFill>
+                <a:latin typeface="wfont_7fbdbf_b0d9a3f8bf6446fdb351c82b114a98ea"/>
+              </a:rPr>
+              <a:t>II: </a:t>
+            </a:r>
+            <a:r>
+              <a:rPr lang="zh-TW" altLang="en-US" b="1" dirty="0">
+                <a:solidFill>
+                  <a:srgbClr val="2F2E2E"/>
+                </a:solidFill>
+                <a:latin typeface="wfont_7fbdbf_b0d9a3f8bf6446fdb351c82b114a98ea"/>
+              </a:rPr>
+              <a:t>主動脈瓣物件偵測 </a:t>
+            </a:r>
+            <a:r>
+              <a:rPr lang="en-US" altLang="zh-TW" b="1" dirty="0">
+                <a:solidFill>
+                  <a:srgbClr val="2F2E2E"/>
+                </a:solidFill>
+                <a:latin typeface="wfont_7fbdbf_b0d9a3f8bf6446fdb351c82b114a98ea"/>
+              </a:rPr>
+              <a:t>(</a:t>
+            </a:r>
+            <a:r>
+              <a:rPr lang="en-US" altLang="zh-TW" dirty="0"/>
+              <a:t>Object Detection for Aortic Valves</a:t>
+            </a:r>
+            <a:r>
+              <a:rPr lang="en-US" altLang="zh-TW" b="1" dirty="0">
+                <a:solidFill>
+                  <a:srgbClr val="2F2E2E"/>
+                </a:solidFill>
+                <a:latin typeface="wfont_7fbdbf_b0d9a3f8bf6446fdb351c82b114a98ea"/>
+              </a:rPr>
+              <a:t>)</a:t>
+            </a:r>
+          </a:p>
+          <a:p>
+            <a:pPr lvl="2">
+              <a:defRPr/>
+            </a:pPr>
+            <a:endParaRPr lang="en-US" altLang="zh-TW" dirty="0"/>
+          </a:p>
+          <a:p>
+            <a:pPr lvl="1">
+              <a:defRPr/>
+            </a:pPr>
+            <a:endParaRPr lang="en-US" altLang="zh-TW" dirty="0">
+              <a:solidFill>
+                <a:srgbClr val="0000FF"/>
+              </a:solidFill>
+            </a:endParaRPr>
           </a:p>
           <a:p>
             <a:endParaRPr lang="zh-TW" altLang="en-US" dirty="0"/>
@@ -5124,14 +5292,15 @@
         </p:nvSpPr>
         <p:spPr/>
         <p:txBody>
-          <a:bodyPr/>
-          <a:lstStyle/>
-          <a:p>
-            <a:r>
-              <a:rPr lang="en-US" altLang="zh-TW" dirty="0"/>
-              <a:t>Thanks for Your Attention!</a:t>
-            </a:r>
-            <a:endParaRPr lang="zh-TW" altLang="en-US" dirty="0"/>
+          <a:bodyPr>
+            <a:normAutofit/>
+          </a:bodyPr>
+          <a:lstStyle/>
+          <a:p>
+            <a:r>
+              <a:rPr lang="en-US" altLang="zh-TW" dirty="0"/>
+              <a:t>AI Cup 2025: Watch-Listed Account Detection</a:t>
+            </a:r>
           </a:p>
         </p:txBody>
       </p:sp>
@@ -5150,14 +5319,319 @@
           <a:bodyPr/>
           <a:lstStyle/>
           <a:p>
-            <a:endParaRPr lang="zh-TW" altLang="en-US"/>
+            <a:r>
+              <a:rPr lang="en-US" altLang="zh-TW" dirty="0">
+                <a:hlinkClick r:id="rId2"/>
+              </a:rPr>
+              <a:t>https://tbrain.trendmicro.com.tw/Competitions/Details/40</a:t>
+            </a:r>
+            <a:r>
+              <a:rPr lang="en-US" altLang="zh-TW" dirty="0"/>
+              <a:t> </a:t>
+            </a:r>
+          </a:p>
+          <a:p>
+            <a:r>
+              <a:rPr lang="en-US" altLang="zh-TW" dirty="0"/>
+              <a:t>Provided by e-sun Bank</a:t>
+            </a:r>
+          </a:p>
+          <a:p>
+            <a:r>
+              <a:rPr lang="en-US" altLang="zh-TW" dirty="0"/>
+              <a:t>Registration starts: Sep. 17, 2025</a:t>
+            </a:r>
+          </a:p>
+          <a:p>
+            <a:r>
+              <a:rPr lang="en-US" altLang="zh-TW" dirty="0"/>
+              <a:t>Registration ends: </a:t>
+            </a:r>
+            <a:r>
+              <a:rPr lang="en-US" altLang="zh-TW" dirty="0">
+                <a:solidFill>
+                  <a:srgbClr val="FF0000"/>
+                </a:solidFill>
+              </a:rPr>
+              <a:t>Nov. 5, 2025</a:t>
+            </a:r>
+          </a:p>
+          <a:p>
+            <a:r>
+              <a:rPr lang="en-US" altLang="zh-TW" dirty="0"/>
+              <a:t>End of competition: </a:t>
+            </a:r>
+            <a:r>
+              <a:rPr lang="en-US" altLang="zh-TW" dirty="0">
+                <a:solidFill>
+                  <a:srgbClr val="FF0000"/>
+                </a:solidFill>
+              </a:rPr>
+              <a:t>Nov. 12, 2025</a:t>
+            </a:r>
+            <a:endParaRPr lang="zh-TW" altLang="en-US" dirty="0">
+              <a:solidFill>
+                <a:srgbClr val="FF0000"/>
+              </a:solidFill>
+            </a:endParaRPr>
           </a:p>
         </p:txBody>
       </p:sp>
     </p:spTree>
     <p:extLst>
       <p:ext uri="{BB962C8B-B14F-4D97-AF65-F5344CB8AC3E}">
-        <p14:creationId xmlns:p14="http://schemas.microsoft.com/office/powerpoint/2010/main" val="3996033091"/>
+        <p14:creationId xmlns:p14="http://schemas.microsoft.com/office/powerpoint/2010/main" val="1387470326"/>
+      </p:ext>
+    </p:extLst>
+  </p:cSld>
+  <p:clrMapOvr>
+    <a:masterClrMapping/>
+  </p:clrMapOvr>
+</p:sld>
+</file>
+
+<file path=ppt/slides/slide8.xml><?xml version="1.0" encoding="utf-8"?>
+<p:sld xmlns:a="http://schemas.openxmlformats.org/drawingml/2006/main" xmlns:r="http://schemas.openxmlformats.org/officeDocument/2006/relationships" xmlns:p="http://schemas.openxmlformats.org/presentationml/2006/main">
+  <p:cSld>
+    <p:spTree>
+      <p:nvGrpSpPr>
+        <p:cNvPr id="1" name=""/>
+        <p:cNvGrpSpPr/>
+        <p:nvPr/>
+      </p:nvGrpSpPr>
+      <p:grpSpPr>
+        <a:xfrm>
+          <a:off x="0" y="0"/>
+          <a:ext cx="0" cy="0"/>
+          <a:chOff x="0" y="0"/>
+          <a:chExt cx="0" cy="0"/>
+        </a:xfrm>
+      </p:grpSpPr>
+      <p:sp>
+        <p:nvSpPr>
+          <p:cNvPr id="2" name="標題 1"/>
+          <p:cNvSpPr>
+            <a:spLocks noGrp="1"/>
+          </p:cNvSpPr>
+          <p:nvPr>
+            <p:ph type="title"/>
+          </p:nvPr>
+        </p:nvSpPr>
+        <p:spPr/>
+        <p:txBody>
+          <a:bodyPr>
+            <a:normAutofit fontScale="90000"/>
+          </a:bodyPr>
+          <a:lstStyle/>
+          <a:p>
+            <a:r>
+              <a:rPr lang="en-US" altLang="zh-TW" dirty="0"/>
+              <a:t>AI Cup 2025: Computed Tomography Myocardium Image Segmentation I - Myocardium Image Segmentation</a:t>
+            </a:r>
+          </a:p>
+        </p:txBody>
+      </p:sp>
+      <p:sp>
+        <p:nvSpPr>
+          <p:cNvPr id="3" name="內容版面配置區 2"/>
+          <p:cNvSpPr>
+            <a:spLocks noGrp="1"/>
+          </p:cNvSpPr>
+          <p:nvPr>
+            <p:ph idx="1"/>
+          </p:nvPr>
+        </p:nvSpPr>
+        <p:spPr/>
+        <p:txBody>
+          <a:bodyPr/>
+          <a:lstStyle/>
+          <a:p>
+            <a:r>
+              <a:rPr lang="en-US" altLang="zh-TW" dirty="0">
+                <a:hlinkClick r:id="rId2"/>
+              </a:rPr>
+              <a:t>https://tbrain.trendmicro.com.tw/Competitions/Details/41</a:t>
+            </a:r>
+            <a:r>
+              <a:rPr lang="en-US" altLang="zh-TW" dirty="0"/>
+              <a:t> </a:t>
+            </a:r>
+          </a:p>
+          <a:p>
+            <a:r>
+              <a:rPr lang="en-US" altLang="zh-TW" dirty="0"/>
+              <a:t>Provided by NTUT</a:t>
+            </a:r>
+          </a:p>
+          <a:p>
+            <a:r>
+              <a:rPr lang="en-US" altLang="zh-TW" dirty="0"/>
+              <a:t>Registration starts: Sep. 16, 2025</a:t>
+            </a:r>
+          </a:p>
+          <a:p>
+            <a:r>
+              <a:rPr lang="en-US" altLang="zh-TW" dirty="0"/>
+              <a:t>Registration ends: </a:t>
+            </a:r>
+            <a:r>
+              <a:rPr lang="en-US" altLang="zh-TW" dirty="0">
+                <a:solidFill>
+                  <a:srgbClr val="FF0000"/>
+                </a:solidFill>
+              </a:rPr>
+              <a:t>Nov. 25, 2025</a:t>
+            </a:r>
+          </a:p>
+          <a:p>
+            <a:r>
+              <a:rPr lang="en-US" altLang="zh-TW" dirty="0"/>
+              <a:t>End of competition: </a:t>
+            </a:r>
+            <a:r>
+              <a:rPr lang="en-US" altLang="zh-TW" dirty="0">
+                <a:solidFill>
+                  <a:srgbClr val="FF0000"/>
+                </a:solidFill>
+              </a:rPr>
+              <a:t>Nov. 30, 2025</a:t>
+            </a:r>
+            <a:endParaRPr lang="zh-TW" altLang="en-US" dirty="0">
+              <a:solidFill>
+                <a:srgbClr val="FF0000"/>
+              </a:solidFill>
+            </a:endParaRPr>
+          </a:p>
+        </p:txBody>
+      </p:sp>
+    </p:spTree>
+    <p:extLst>
+      <p:ext uri="{BB962C8B-B14F-4D97-AF65-F5344CB8AC3E}">
+        <p14:creationId xmlns:p14="http://schemas.microsoft.com/office/powerpoint/2010/main" val="3244232107"/>
+      </p:ext>
+    </p:extLst>
+  </p:cSld>
+  <p:clrMapOvr>
+    <a:masterClrMapping/>
+  </p:clrMapOvr>
+</p:sld>
+</file>
+
+<file path=ppt/slides/slide9.xml><?xml version="1.0" encoding="utf-8"?>
+<p:sld xmlns:a="http://schemas.openxmlformats.org/drawingml/2006/main" xmlns:r="http://schemas.openxmlformats.org/officeDocument/2006/relationships" xmlns:p="http://schemas.openxmlformats.org/presentationml/2006/main">
+  <p:cSld>
+    <p:spTree>
+      <p:nvGrpSpPr>
+        <p:cNvPr id="1" name=""/>
+        <p:cNvGrpSpPr/>
+        <p:nvPr/>
+      </p:nvGrpSpPr>
+      <p:grpSpPr>
+        <a:xfrm>
+          <a:off x="0" y="0"/>
+          <a:ext cx="0" cy="0"/>
+          <a:chOff x="0" y="0"/>
+          <a:chExt cx="0" cy="0"/>
+        </a:xfrm>
+      </p:grpSpPr>
+      <p:sp>
+        <p:nvSpPr>
+          <p:cNvPr id="2" name="標題 1"/>
+          <p:cNvSpPr>
+            <a:spLocks noGrp="1"/>
+          </p:cNvSpPr>
+          <p:nvPr>
+            <p:ph type="title"/>
+          </p:nvPr>
+        </p:nvSpPr>
+        <p:spPr/>
+        <p:txBody>
+          <a:bodyPr>
+            <a:normAutofit fontScale="90000"/>
+          </a:bodyPr>
+          <a:lstStyle/>
+          <a:p>
+            <a:r>
+              <a:rPr lang="en-US" altLang="zh-TW" dirty="0"/>
+              <a:t>AI Cup 2025: Computed Tomography Myocardium Image Segmentation II – Object Detection for Aortic Valves </a:t>
+            </a:r>
+          </a:p>
+        </p:txBody>
+      </p:sp>
+      <p:sp>
+        <p:nvSpPr>
+          <p:cNvPr id="3" name="內容版面配置區 2"/>
+          <p:cNvSpPr>
+            <a:spLocks noGrp="1"/>
+          </p:cNvSpPr>
+          <p:nvPr>
+            <p:ph idx="1"/>
+          </p:nvPr>
+        </p:nvSpPr>
+        <p:spPr/>
+        <p:txBody>
+          <a:bodyPr/>
+          <a:lstStyle/>
+          <a:p>
+            <a:r>
+              <a:rPr lang="en-US" altLang="zh-TW" dirty="0">
+                <a:hlinkClick r:id="rId2"/>
+              </a:rPr>
+              <a:t>https://tbrain.trendmicro.com.tw/Competitions/Details/42</a:t>
+            </a:r>
+            <a:endParaRPr lang="en-US" altLang="zh-TW" dirty="0"/>
+          </a:p>
+          <a:p>
+            <a:r>
+              <a:rPr lang="en-US" altLang="zh-TW" dirty="0"/>
+              <a:t>Provided by NTUT</a:t>
+            </a:r>
+          </a:p>
+          <a:p>
+            <a:r>
+              <a:rPr lang="en-US" altLang="zh-TW" dirty="0"/>
+              <a:t>Registration starts: Sep. 16, 2025</a:t>
+            </a:r>
+          </a:p>
+          <a:p>
+            <a:r>
+              <a:rPr lang="en-US" altLang="zh-TW" dirty="0"/>
+              <a:t>Registration ends: </a:t>
+            </a:r>
+            <a:r>
+              <a:rPr lang="en-US" altLang="zh-TW" dirty="0">
+                <a:solidFill>
+                  <a:srgbClr val="FF0000"/>
+                </a:solidFill>
+              </a:rPr>
+              <a:t>Nov. 25, 2025</a:t>
+            </a:r>
+          </a:p>
+          <a:p>
+            <a:r>
+              <a:rPr lang="en-US" altLang="zh-TW" dirty="0"/>
+              <a:t>End of competition: </a:t>
+            </a:r>
+            <a:r>
+              <a:rPr lang="en-US" altLang="zh-TW" dirty="0">
+                <a:solidFill>
+                  <a:srgbClr val="FF0000"/>
+                </a:solidFill>
+              </a:rPr>
+              <a:t>Nov. 30, 2025</a:t>
+            </a:r>
+            <a:endParaRPr lang="zh-TW" altLang="en-US" dirty="0">
+              <a:solidFill>
+                <a:srgbClr val="FF0000"/>
+              </a:solidFill>
+            </a:endParaRPr>
+          </a:p>
+        </p:txBody>
+      </p:sp>
+    </p:spTree>
+    <p:extLst>
+      <p:ext uri="{BB962C8B-B14F-4D97-AF65-F5344CB8AC3E}">
+        <p14:creationId xmlns:p14="http://schemas.microsoft.com/office/powerpoint/2010/main" val="1600951166"/>
       </p:ext>
     </p:extLst>
   </p:cSld>
